--- a/01_meeting_documents/hpai_mitagation_project_v2.pptx
+++ b/01_meeting_documents/hpai_mitagation_project_v2.pptx
@@ -19241,7 +19241,31 @@
           <a:p>
             <a:r>
               <a:rPr lang="fr-FR" dirty="0"/>
-              <a:t>In colonie 1:</a:t>
+              <a:t>In colonie 1, </a:t>
+            </a:r>
+            <a:r>
+              <a:rPr lang="en-US" dirty="0"/>
+              <a:t>infection rate of an individual of status </a:t>
+            </a:r>
+            <a:r>
+              <a:rPr lang="fr-FR" i="1" dirty="0"/>
+              <a:t>X</a:t>
+            </a:r>
+            <a:r>
+              <a:rPr lang="fr-FR" b="1" i="1" kern="100" baseline="-25000" dirty="0">
+                <a:latin typeface="Calibri" panose="020F0502020204030204" pitchFamily="34" charset="0"/>
+                <a:ea typeface="Calibri" panose="020F0502020204030204" pitchFamily="34" charset="0"/>
+                <a:cs typeface="Times New Roman" panose="02020603050405020304" pitchFamily="18" charset="0"/>
+              </a:rPr>
+              <a:t>C1,X</a:t>
+            </a:r>
+            <a:r>
+              <a:rPr lang="fr-FR" i="1" dirty="0"/>
+              <a:t> </a:t>
+            </a:r>
+            <a:r>
+              <a:rPr lang="fr-FR" dirty="0"/>
+              <a:t>:</a:t>
             </a:r>
           </a:p>
           <a:p>
@@ -19263,7 +19287,27 @@
             </a:r>
             <a:r>
               <a:rPr lang="fr-FR" dirty="0"/>
-              <a:t>.E</a:t>
+              <a:t>.</a:t>
+            </a:r>
+            <a:r>
+              <a:rPr lang="fr-FR" i="1" dirty="0"/>
+              <a:t>X</a:t>
+            </a:r>
+            <a:r>
+              <a:rPr lang="fr-FR" b="1" i="1" kern="100" baseline="-25000" dirty="0">
+                <a:latin typeface="Calibri" panose="020F0502020204030204" pitchFamily="34" charset="0"/>
+                <a:ea typeface="Calibri" panose="020F0502020204030204" pitchFamily="34" charset="0"/>
+                <a:cs typeface="Times New Roman" panose="02020603050405020304" pitchFamily="18" charset="0"/>
+              </a:rPr>
+              <a:t>C1,X</a:t>
+            </a:r>
+            <a:r>
+              <a:rPr lang="fr-FR" i="1" dirty="0"/>
+              <a:t> </a:t>
+            </a:r>
+            <a:r>
+              <a:rPr lang="fr-FR" dirty="0"/>
+              <a:t>. (E</a:t>
             </a:r>
             <a:r>
               <a:rPr lang="fr-FR" b="1" kern="100" baseline="-25000" dirty="0">
@@ -19275,8 +19319,38 @@
             </a:r>
             <a:r>
               <a:rPr lang="fr-FR" dirty="0"/>
-              <a:t> + </a:t>
-            </a:r>
+              <a:t> + E</a:t>
+            </a:r>
+            <a:r>
+              <a:rPr lang="fr-FR" b="1" kern="100" baseline="-25000" dirty="0">
+                <a:latin typeface="Calibri" panose="020F0502020204030204" pitchFamily="34" charset="0"/>
+                <a:ea typeface="Calibri" panose="020F0502020204030204" pitchFamily="34" charset="0"/>
+                <a:cs typeface="Times New Roman" panose="02020603050405020304" pitchFamily="18" charset="0"/>
+              </a:rPr>
+              <a:t>C1,N</a:t>
+            </a:r>
+            <a:r>
+              <a:rPr lang="fr-FR" dirty="0"/>
+              <a:t> + E</a:t>
+            </a:r>
+            <a:r>
+              <a:rPr lang="fr-FR" sz="2400" b="1" kern="100" baseline="-25000" dirty="0">
+                <a:effectLst/>
+                <a:latin typeface="Calibri" panose="020F0502020204030204" pitchFamily="34" charset="0"/>
+                <a:ea typeface="Calibri" panose="020F0502020204030204" pitchFamily="34" charset="0"/>
+                <a:cs typeface="Times New Roman" panose="02020603050405020304" pitchFamily="18" charset="0"/>
+              </a:rPr>
+              <a:t>C1,NB</a:t>
+            </a:r>
+            <a:r>
+              <a:rPr lang="fr-FR" dirty="0"/>
+              <a:t> )+ </a:t>
+            </a:r>
+          </a:p>
+          <a:p>
+            <a:pPr marL="457200" lvl="1" indent="0">
+              <a:buNone/>
+            </a:pPr>
             <a:r>
               <a:rPr lang="el-GR" dirty="0"/>
               <a:t>β</a:t>
@@ -19292,7 +19366,19 @@
             </a:r>
             <a:r>
               <a:rPr lang="fr-FR" dirty="0"/>
-              <a:t>.I</a:t>
+              <a:t>. X</a:t>
+            </a:r>
+            <a:r>
+              <a:rPr lang="fr-FR" b="1" kern="100" baseline="-25000" dirty="0">
+                <a:latin typeface="Calibri" panose="020F0502020204030204" pitchFamily="34" charset="0"/>
+                <a:ea typeface="Calibri" panose="020F0502020204030204" pitchFamily="34" charset="0"/>
+                <a:cs typeface="Times New Roman" panose="02020603050405020304" pitchFamily="18" charset="0"/>
+              </a:rPr>
+              <a:t>C1,X</a:t>
+            </a:r>
+            <a:r>
+              <a:rPr lang="fr-FR" dirty="0"/>
+              <a:t> .(I</a:t>
             </a:r>
             <a:r>
               <a:rPr lang="fr-FR" sz="2400" b="1" kern="100" baseline="-25000" dirty="0">
@@ -19301,15 +19387,80 @@
                 <a:ea typeface="Calibri" panose="020F0502020204030204" pitchFamily="34" charset="0"/>
                 <a:cs typeface="Times New Roman" panose="02020603050405020304" pitchFamily="18" charset="0"/>
               </a:rPr>
-              <a:t>C1,B</a:t>
+              <a:t>C1,B </a:t>
             </a:r>
             <a:r>
               <a:rPr lang="fr-FR" dirty="0"/>
-              <a:t> +</a:t>
-            </a:r>
+              <a:t>+I</a:t>
+            </a:r>
+            <a:r>
+              <a:rPr lang="fr-FR" b="1" kern="100" baseline="-25000" dirty="0">
+                <a:latin typeface="Calibri" panose="020F0502020204030204" pitchFamily="34" charset="0"/>
+                <a:ea typeface="Calibri" panose="020F0502020204030204" pitchFamily="34" charset="0"/>
+                <a:cs typeface="Times New Roman" panose="02020603050405020304" pitchFamily="18" charset="0"/>
+              </a:rPr>
+              <a:t>C1,N</a:t>
+            </a:r>
+            <a:r>
+              <a:rPr lang="fr-FR" dirty="0"/>
+              <a:t> +I</a:t>
+            </a:r>
+            <a:r>
+              <a:rPr lang="fr-FR" b="1" kern="100" baseline="-25000" dirty="0">
+                <a:latin typeface="Calibri" panose="020F0502020204030204" pitchFamily="34" charset="0"/>
+                <a:ea typeface="Calibri" panose="020F0502020204030204" pitchFamily="34" charset="0"/>
+                <a:cs typeface="Times New Roman" panose="02020603050405020304" pitchFamily="18" charset="0"/>
+              </a:rPr>
+              <a:t>C1,NB</a:t>
+            </a:r>
+            <a:r>
+              <a:rPr lang="fr-FR" dirty="0"/>
+              <a:t> )</a:t>
+            </a:r>
+          </a:p>
+          <a:p>
+            <a:pPr marL="457200" lvl="1" indent="0">
+              <a:buNone/>
+            </a:pPr>
+            <a:endParaRPr lang="en-US" dirty="0"/>
+          </a:p>
+          <a:p>
+            <a:r>
+              <a:rPr lang="fr-FR" dirty="0"/>
+              <a:t>In colonie 2, </a:t>
+            </a:r>
+            <a:r>
+              <a:rPr lang="en-US" dirty="0"/>
+              <a:t>infection rate of an individual of status </a:t>
+            </a:r>
+            <a:r>
+              <a:rPr lang="fr-FR" i="1" dirty="0"/>
+              <a:t>X</a:t>
+            </a:r>
+            <a:r>
+              <a:rPr lang="fr-FR" b="1" i="1" kern="100" baseline="-25000" dirty="0">
+                <a:latin typeface="Calibri" panose="020F0502020204030204" pitchFamily="34" charset="0"/>
+                <a:ea typeface="Calibri" panose="020F0502020204030204" pitchFamily="34" charset="0"/>
+                <a:cs typeface="Times New Roman" panose="02020603050405020304" pitchFamily="18" charset="0"/>
+              </a:rPr>
+              <a:t>C2,X</a:t>
+            </a:r>
+            <a:r>
+              <a:rPr lang="fr-FR" i="1" dirty="0"/>
+              <a:t> </a:t>
+            </a:r>
+            <a:r>
+              <a:rPr lang="fr-FR" dirty="0"/>
+              <a:t>:</a:t>
+            </a:r>
+          </a:p>
+          <a:p>
+            <a:pPr marL="457200" lvl="1" indent="0">
+              <a:buNone/>
+            </a:pPr>
             <a:r>
               <a:rPr lang="el-GR" dirty="0"/>
-              <a:t> β</a:t>
+              <a:t>β</a:t>
             </a:r>
             <a:r>
               <a:rPr lang="fr-FR" sz="2400" b="1" kern="100" baseline="-25000" dirty="0">
@@ -19322,7 +19473,27 @@
             </a:r>
             <a:r>
               <a:rPr lang="fr-FR" dirty="0"/>
-              <a:t>.E</a:t>
+              <a:t>.</a:t>
+            </a:r>
+            <a:r>
+              <a:rPr lang="fr-FR" i="1" dirty="0"/>
+              <a:t>X</a:t>
+            </a:r>
+            <a:r>
+              <a:rPr lang="fr-FR" b="1" i="1" kern="100" baseline="-25000" dirty="0">
+                <a:latin typeface="Calibri" panose="020F0502020204030204" pitchFamily="34" charset="0"/>
+                <a:ea typeface="Calibri" panose="020F0502020204030204" pitchFamily="34" charset="0"/>
+                <a:cs typeface="Times New Roman" panose="02020603050405020304" pitchFamily="18" charset="0"/>
+              </a:rPr>
+              <a:t>C2,X</a:t>
+            </a:r>
+            <a:r>
+              <a:rPr lang="fr-FR" i="1" dirty="0"/>
+              <a:t> </a:t>
+            </a:r>
+            <a:r>
+              <a:rPr lang="fr-FR" dirty="0"/>
+              <a:t>. (E</a:t>
             </a:r>
             <a:r>
               <a:rPr lang="fr-FR" b="1" kern="100" baseline="-25000" dirty="0">
@@ -19330,15 +19501,11 @@
                 <a:ea typeface="Calibri" panose="020F0502020204030204" pitchFamily="34" charset="0"/>
                 <a:cs typeface="Times New Roman" panose="02020603050405020304" pitchFamily="18" charset="0"/>
               </a:rPr>
-              <a:t>C1,N</a:t>
+              <a:t>C2,B</a:t>
             </a:r>
             <a:r>
               <a:rPr lang="fr-FR" dirty="0"/>
-              <a:t> +</a:t>
-            </a:r>
-            <a:r>
-              <a:rPr lang="el-GR" dirty="0"/>
-              <a:t> β</a:t>
+              <a:t> + E</a:t>
             </a:r>
             <a:r>
               <a:rPr lang="fr-FR" b="1" kern="100" baseline="-25000" dirty="0">
@@ -19346,27 +19513,11 @@
                 <a:ea typeface="Calibri" panose="020F0502020204030204" pitchFamily="34" charset="0"/>
                 <a:cs typeface="Times New Roman" panose="02020603050405020304" pitchFamily="18" charset="0"/>
               </a:rPr>
-              <a:t>I</a:t>
+              <a:t>C2,N</a:t>
             </a:r>
             <a:r>
               <a:rPr lang="fr-FR" dirty="0"/>
-              <a:t>.I</a:t>
-            </a:r>
-            <a:r>
-              <a:rPr lang="fr-FR" b="1" kern="100" baseline="-25000" dirty="0">
-                <a:latin typeface="Calibri" panose="020F0502020204030204" pitchFamily="34" charset="0"/>
-                <a:ea typeface="Calibri" panose="020F0502020204030204" pitchFamily="34" charset="0"/>
-                <a:cs typeface="Times New Roman" panose="02020603050405020304" pitchFamily="18" charset="0"/>
-              </a:rPr>
-              <a:t>C1,N</a:t>
-            </a:r>
-            <a:r>
-              <a:rPr lang="fr-FR" dirty="0"/>
-              <a:t> +</a:t>
-            </a:r>
-            <a:r>
-              <a:rPr lang="el-GR" dirty="0"/>
-              <a:t> β</a:t>
+              <a:t> + E</a:t>
             </a:r>
             <a:r>
               <a:rPr lang="fr-FR" sz="2400" b="1" kern="100" baseline="-25000" dirty="0">
@@ -19375,28 +19526,20 @@
                 <a:ea typeface="Calibri" panose="020F0502020204030204" pitchFamily="34" charset="0"/>
                 <a:cs typeface="Times New Roman" panose="02020603050405020304" pitchFamily="18" charset="0"/>
               </a:rPr>
-              <a:t>E</a:t>
+              <a:t>C2,NB</a:t>
             </a:r>
             <a:r>
               <a:rPr lang="fr-FR" dirty="0"/>
-              <a:t>.E</a:t>
-            </a:r>
-            <a:r>
-              <a:rPr lang="fr-FR" sz="2400" b="1" kern="100" baseline="-25000" dirty="0">
-                <a:effectLst/>
-                <a:latin typeface="Calibri" panose="020F0502020204030204" pitchFamily="34" charset="0"/>
-                <a:ea typeface="Calibri" panose="020F0502020204030204" pitchFamily="34" charset="0"/>
-                <a:cs typeface="Times New Roman" panose="02020603050405020304" pitchFamily="18" charset="0"/>
-              </a:rPr>
-              <a:t>C1,NB</a:t>
-            </a:r>
-            <a:r>
-              <a:rPr lang="fr-FR" dirty="0"/>
-              <a:t> +</a:t>
-            </a:r>
+              <a:t> )+ </a:t>
+            </a:r>
+          </a:p>
+          <a:p>
+            <a:pPr marL="457200" lvl="1" indent="0">
+              <a:buNone/>
+            </a:pPr>
             <a:r>
               <a:rPr lang="el-GR" dirty="0"/>
-              <a:t> β</a:t>
+              <a:t>β</a:t>
             </a:r>
             <a:r>
               <a:rPr lang="fr-FR" sz="2400" b="1" kern="100" baseline="-25000" dirty="0">
@@ -19409,7 +19552,19 @@
             </a:r>
             <a:r>
               <a:rPr lang="fr-FR" dirty="0"/>
-              <a:t>.I</a:t>
+              <a:t>. X</a:t>
+            </a:r>
+            <a:r>
+              <a:rPr lang="fr-FR" b="1" kern="100" baseline="-25000" dirty="0">
+                <a:latin typeface="Calibri" panose="020F0502020204030204" pitchFamily="34" charset="0"/>
+                <a:ea typeface="Calibri" panose="020F0502020204030204" pitchFamily="34" charset="0"/>
+                <a:cs typeface="Times New Roman" panose="02020603050405020304" pitchFamily="18" charset="0"/>
+              </a:rPr>
+              <a:t>C2,X</a:t>
+            </a:r>
+            <a:r>
+              <a:rPr lang="fr-FR" dirty="0"/>
+              <a:t> .(I</a:t>
             </a:r>
             <a:r>
               <a:rPr lang="fr-FR" sz="2400" b="1" kern="100" baseline="-25000" dirty="0">
@@ -19418,114 +19573,11 @@
                 <a:ea typeface="Calibri" panose="020F0502020204030204" pitchFamily="34" charset="0"/>
                 <a:cs typeface="Times New Roman" panose="02020603050405020304" pitchFamily="18" charset="0"/>
               </a:rPr>
-              <a:t>C1,NB</a:t>
+              <a:t>C2,B </a:t>
             </a:r>
             <a:r>
               <a:rPr lang="fr-FR" dirty="0"/>
-              <a:t> </a:t>
-            </a:r>
-            <a:endParaRPr lang="fr-FR" sz="2400" kern="100" dirty="0">
-              <a:effectLst/>
-              <a:latin typeface="Calibri" panose="020F0502020204030204" pitchFamily="34" charset="0"/>
-              <a:ea typeface="Calibri" panose="020F0502020204030204" pitchFamily="34" charset="0"/>
-              <a:cs typeface="Times New Roman" panose="02020603050405020304" pitchFamily="18" charset="0"/>
-            </a:endParaRPr>
-          </a:p>
-          <a:p>
-            <a:pPr marL="457200" lvl="1" indent="0">
-              <a:buNone/>
-            </a:pPr>
-            <a:endParaRPr lang="en-US" dirty="0"/>
-          </a:p>
-          <a:p>
-            <a:r>
-              <a:rPr lang="fr-FR" dirty="0"/>
-              <a:t>In colonie 2:</a:t>
-            </a:r>
-          </a:p>
-          <a:p>
-            <a:pPr marL="457200" lvl="1" indent="0">
-              <a:buNone/>
-            </a:pPr>
-            <a:r>
-              <a:rPr lang="el-GR" dirty="0"/>
-              <a:t>β</a:t>
-            </a:r>
-            <a:r>
-              <a:rPr lang="fr-FR" sz="2400" b="1" kern="100" baseline="-25000" dirty="0">
-                <a:effectLst/>
-                <a:latin typeface="Calibri" panose="020F0502020204030204" pitchFamily="34" charset="0"/>
-                <a:ea typeface="Calibri" panose="020F0502020204030204" pitchFamily="34" charset="0"/>
-                <a:cs typeface="Times New Roman" panose="02020603050405020304" pitchFamily="18" charset="0"/>
-              </a:rPr>
-              <a:t>E</a:t>
-            </a:r>
-            <a:r>
-              <a:rPr lang="fr-FR" dirty="0"/>
-              <a:t>.E</a:t>
-            </a:r>
-            <a:r>
-              <a:rPr lang="fr-FR" b="1" kern="100" baseline="-25000" dirty="0">
-                <a:latin typeface="Calibri" panose="020F0502020204030204" pitchFamily="34" charset="0"/>
-                <a:ea typeface="Calibri" panose="020F0502020204030204" pitchFamily="34" charset="0"/>
-                <a:cs typeface="Times New Roman" panose="02020603050405020304" pitchFamily="18" charset="0"/>
-              </a:rPr>
-              <a:t>C2,B</a:t>
-            </a:r>
-            <a:r>
-              <a:rPr lang="fr-FR" dirty="0"/>
-              <a:t> + </a:t>
-            </a:r>
-            <a:r>
-              <a:rPr lang="el-GR"/>
-              <a:t>β</a:t>
-            </a:r>
-            <a:r>
-              <a:rPr lang="fr-FR" sz="2400" b="1" kern="100" baseline="-25000">
-                <a:effectLst/>
-                <a:latin typeface="Calibri" panose="020F0502020204030204" pitchFamily="34" charset="0"/>
-                <a:ea typeface="Calibri" panose="020F0502020204030204" pitchFamily="34" charset="0"/>
-                <a:cs typeface="Times New Roman" panose="02020603050405020304" pitchFamily="18" charset="0"/>
-              </a:rPr>
-              <a:t>I</a:t>
-            </a:r>
-            <a:r>
-              <a:rPr lang="fr-FR"/>
-              <a:t>.</a:t>
-            </a:r>
-            <a:r>
-              <a:rPr lang="fr-FR" dirty="0"/>
-              <a:t>I</a:t>
-            </a:r>
-            <a:r>
-              <a:rPr lang="fr-FR" sz="2400" b="1" kern="100" baseline="-25000" dirty="0">
-                <a:effectLst/>
-                <a:latin typeface="Calibri" panose="020F0502020204030204" pitchFamily="34" charset="0"/>
-                <a:ea typeface="Calibri" panose="020F0502020204030204" pitchFamily="34" charset="0"/>
-                <a:cs typeface="Times New Roman" panose="02020603050405020304" pitchFamily="18" charset="0"/>
-              </a:rPr>
-              <a:t>C2,B</a:t>
-            </a:r>
-            <a:r>
-              <a:rPr lang="fr-FR" dirty="0"/>
-              <a:t> +</a:t>
-            </a:r>
-            <a:r>
-              <a:rPr lang="el-GR" dirty="0"/>
-              <a:t> β</a:t>
-            </a:r>
-            <a:r>
-              <a:rPr lang="fr-FR" sz="2400" b="1" kern="100" baseline="-25000" dirty="0">
-                <a:effectLst/>
-                <a:latin typeface="Calibri" panose="020F0502020204030204" pitchFamily="34" charset="0"/>
-                <a:ea typeface="Calibri" panose="020F0502020204030204" pitchFamily="34" charset="0"/>
-                <a:cs typeface="Times New Roman" panose="02020603050405020304" pitchFamily="18" charset="0"/>
-              </a:rPr>
-              <a:t>E</a:t>
-            </a:r>
-            <a:r>
-              <a:rPr lang="fr-FR" dirty="0"/>
-              <a:t>.E</a:t>
+              <a:t>+I</a:t>
             </a:r>
             <a:r>
               <a:rPr lang="fr-FR" b="1" kern="100" baseline="-25000" dirty="0">
@@ -19537,24 +19589,7 @@
             </a:r>
             <a:r>
               <a:rPr lang="fr-FR" dirty="0"/>
-              <a:t> +</a:t>
-            </a:r>
-            <a:r>
-              <a:rPr lang="el-GR" dirty="0"/>
-              <a:t> β</a:t>
-            </a:r>
-            <a:r>
-              <a:rPr lang="fr-FR" sz="2400" b="1" kern="100" baseline="-25000" dirty="0">
-                <a:effectLst/>
-                <a:latin typeface="Calibri" panose="020F0502020204030204" pitchFamily="34" charset="0"/>
-                <a:ea typeface="Calibri" panose="020F0502020204030204" pitchFamily="34" charset="0"/>
-                <a:cs typeface="Times New Roman" panose="02020603050405020304" pitchFamily="18" charset="0"/>
-              </a:rPr>
-              <a:t>I</a:t>
-            </a:r>
-            <a:r>
-              <a:rPr lang="fr-FR" dirty="0"/>
-              <a:t>.I</a:t>
+              <a:t> +I</a:t>
             </a:r>
             <a:r>
               <a:rPr lang="fr-FR" b="1" kern="100" baseline="-25000" dirty="0">
@@ -19562,78 +19597,12 @@
                 <a:ea typeface="Calibri" panose="020F0502020204030204" pitchFamily="34" charset="0"/>
                 <a:cs typeface="Times New Roman" panose="02020603050405020304" pitchFamily="18" charset="0"/>
               </a:rPr>
-              <a:t>C2,N</a:t>
+              <a:t>C2,NB</a:t>
             </a:r>
             <a:r>
               <a:rPr lang="fr-FR" dirty="0"/>
-              <a:t> +</a:t>
-            </a:r>
-            <a:r>
-              <a:rPr lang="el-GR" dirty="0"/>
-              <a:t> β</a:t>
-            </a:r>
-            <a:r>
-              <a:rPr lang="fr-FR" sz="2400" b="1" kern="100" baseline="-25000" dirty="0">
-                <a:effectLst/>
-                <a:latin typeface="Calibri" panose="020F0502020204030204" pitchFamily="34" charset="0"/>
-                <a:ea typeface="Calibri" panose="020F0502020204030204" pitchFamily="34" charset="0"/>
-                <a:cs typeface="Times New Roman" panose="02020603050405020304" pitchFamily="18" charset="0"/>
-              </a:rPr>
-              <a:t>E</a:t>
-            </a:r>
-            <a:r>
-              <a:rPr lang="fr-FR" dirty="0"/>
-              <a:t>.E</a:t>
-            </a:r>
-            <a:r>
-              <a:rPr lang="fr-FR" sz="2400" b="1" kern="100" baseline="-25000" dirty="0">
-                <a:effectLst/>
-                <a:latin typeface="Calibri" panose="020F0502020204030204" pitchFamily="34" charset="0"/>
-                <a:ea typeface="Calibri" panose="020F0502020204030204" pitchFamily="34" charset="0"/>
-                <a:cs typeface="Times New Roman" panose="02020603050405020304" pitchFamily="18" charset="0"/>
-              </a:rPr>
-              <a:t>C2,NB</a:t>
-            </a:r>
-            <a:r>
-              <a:rPr lang="fr-FR" dirty="0"/>
-              <a:t> +</a:t>
-            </a:r>
-            <a:r>
-              <a:rPr lang="el-GR" dirty="0"/>
-              <a:t> β</a:t>
-            </a:r>
-            <a:r>
-              <a:rPr lang="fr-FR" sz="2400" b="1" kern="100" baseline="-25000" dirty="0">
-                <a:effectLst/>
-                <a:latin typeface="Calibri" panose="020F0502020204030204" pitchFamily="34" charset="0"/>
-                <a:ea typeface="Calibri" panose="020F0502020204030204" pitchFamily="34" charset="0"/>
-                <a:cs typeface="Times New Roman" panose="02020603050405020304" pitchFamily="18" charset="0"/>
-              </a:rPr>
-              <a:t>I</a:t>
-            </a:r>
-            <a:r>
-              <a:rPr lang="fr-FR" dirty="0"/>
-              <a:t>.I</a:t>
-            </a:r>
-            <a:r>
-              <a:rPr lang="fr-FR" sz="2400" b="1" kern="100" baseline="-25000" dirty="0">
-                <a:effectLst/>
-                <a:latin typeface="Calibri" panose="020F0502020204030204" pitchFamily="34" charset="0"/>
-                <a:ea typeface="Calibri" panose="020F0502020204030204" pitchFamily="34" charset="0"/>
-                <a:cs typeface="Times New Roman" panose="02020603050405020304" pitchFamily="18" charset="0"/>
-              </a:rPr>
-              <a:t>C2,NB</a:t>
-            </a:r>
-            <a:r>
-              <a:rPr lang="fr-FR" dirty="0"/>
-              <a:t> </a:t>
-            </a:r>
-            <a:endParaRPr lang="fr-FR" sz="2400" kern="100" dirty="0">
-              <a:effectLst/>
-              <a:latin typeface="Calibri" panose="020F0502020204030204" pitchFamily="34" charset="0"/>
-              <a:ea typeface="Calibri" panose="020F0502020204030204" pitchFamily="34" charset="0"/>
-              <a:cs typeface="Times New Roman" panose="02020603050405020304" pitchFamily="18" charset="0"/>
-            </a:endParaRPr>
+              <a:t> )</a:t>
+            </a:r>
           </a:p>
           <a:p>
             <a:pPr marL="457200" lvl="1" indent="0">

--- a/01_meeting_documents/hpai_mitagation_project_v2.pptx
+++ b/01_meeting_documents/hpai_mitagation_project_v2.pptx
@@ -20,6 +20,8 @@
     <p:sldId id="280" r:id="rId14"/>
     <p:sldId id="281" r:id="rId15"/>
     <p:sldId id="279" r:id="rId16"/>
+    <p:sldId id="282" r:id="rId17"/>
+    <p:sldId id="283" r:id="rId18"/>
   </p:sldIdLst>
   <p:sldSz cx="12192000" cy="6858000"/>
   <p:notesSz cx="6858000" cy="9144000"/>
@@ -273,7 +275,7 @@
           <a:p>
             <a:fld id="{C55316C6-C027-43C0-BC7B-5A960CB15FEC}" type="datetimeFigureOut">
               <a:rPr lang="fr-FR" smtClean="0"/>
-              <a:t>20/08/2024</a:t>
+              <a:t>12/09/2024</a:t>
             </a:fld>
             <a:endParaRPr lang="fr-FR"/>
           </a:p>
@@ -471,7 +473,7 @@
           <a:p>
             <a:fld id="{C55316C6-C027-43C0-BC7B-5A960CB15FEC}" type="datetimeFigureOut">
               <a:rPr lang="fr-FR" smtClean="0"/>
-              <a:t>20/08/2024</a:t>
+              <a:t>12/09/2024</a:t>
             </a:fld>
             <a:endParaRPr lang="fr-FR"/>
           </a:p>
@@ -679,7 +681,7 @@
           <a:p>
             <a:fld id="{C55316C6-C027-43C0-BC7B-5A960CB15FEC}" type="datetimeFigureOut">
               <a:rPr lang="fr-FR" smtClean="0"/>
-              <a:t>20/08/2024</a:t>
+              <a:t>12/09/2024</a:t>
             </a:fld>
             <a:endParaRPr lang="fr-FR"/>
           </a:p>
@@ -877,7 +879,7 @@
           <a:p>
             <a:fld id="{C55316C6-C027-43C0-BC7B-5A960CB15FEC}" type="datetimeFigureOut">
               <a:rPr lang="fr-FR" smtClean="0"/>
-              <a:t>20/08/2024</a:t>
+              <a:t>12/09/2024</a:t>
             </a:fld>
             <a:endParaRPr lang="fr-FR"/>
           </a:p>
@@ -1152,7 +1154,7 @@
           <a:p>
             <a:fld id="{C55316C6-C027-43C0-BC7B-5A960CB15FEC}" type="datetimeFigureOut">
               <a:rPr lang="fr-FR" smtClean="0"/>
-              <a:t>20/08/2024</a:t>
+              <a:t>12/09/2024</a:t>
             </a:fld>
             <a:endParaRPr lang="fr-FR"/>
           </a:p>
@@ -1417,7 +1419,7 @@
           <a:p>
             <a:fld id="{C55316C6-C027-43C0-BC7B-5A960CB15FEC}" type="datetimeFigureOut">
               <a:rPr lang="fr-FR" smtClean="0"/>
-              <a:t>20/08/2024</a:t>
+              <a:t>12/09/2024</a:t>
             </a:fld>
             <a:endParaRPr lang="fr-FR"/>
           </a:p>
@@ -1829,7 +1831,7 @@
           <a:p>
             <a:fld id="{C55316C6-C027-43C0-BC7B-5A960CB15FEC}" type="datetimeFigureOut">
               <a:rPr lang="fr-FR" smtClean="0"/>
-              <a:t>20/08/2024</a:t>
+              <a:t>12/09/2024</a:t>
             </a:fld>
             <a:endParaRPr lang="fr-FR"/>
           </a:p>
@@ -1970,7 +1972,7 @@
           <a:p>
             <a:fld id="{C55316C6-C027-43C0-BC7B-5A960CB15FEC}" type="datetimeFigureOut">
               <a:rPr lang="fr-FR" smtClean="0"/>
-              <a:t>20/08/2024</a:t>
+              <a:t>12/09/2024</a:t>
             </a:fld>
             <a:endParaRPr lang="fr-FR"/>
           </a:p>
@@ -2083,7 +2085,7 @@
           <a:p>
             <a:fld id="{C55316C6-C027-43C0-BC7B-5A960CB15FEC}" type="datetimeFigureOut">
               <a:rPr lang="fr-FR" smtClean="0"/>
-              <a:t>20/08/2024</a:t>
+              <a:t>12/09/2024</a:t>
             </a:fld>
             <a:endParaRPr lang="fr-FR"/>
           </a:p>
@@ -2394,7 +2396,7 @@
           <a:p>
             <a:fld id="{C55316C6-C027-43C0-BC7B-5A960CB15FEC}" type="datetimeFigureOut">
               <a:rPr lang="fr-FR" smtClean="0"/>
-              <a:t>20/08/2024</a:t>
+              <a:t>12/09/2024</a:t>
             </a:fld>
             <a:endParaRPr lang="fr-FR"/>
           </a:p>
@@ -2682,7 +2684,7 @@
           <a:p>
             <a:fld id="{C55316C6-C027-43C0-BC7B-5A960CB15FEC}" type="datetimeFigureOut">
               <a:rPr lang="fr-FR" smtClean="0"/>
-              <a:t>20/08/2024</a:t>
+              <a:t>12/09/2024</a:t>
             </a:fld>
             <a:endParaRPr lang="fr-FR"/>
           </a:p>
@@ -2923,7 +2925,7 @@
           <a:p>
             <a:fld id="{C55316C6-C027-43C0-BC7B-5A960CB15FEC}" type="datetimeFigureOut">
               <a:rPr lang="fr-FR" smtClean="0"/>
-              <a:t>20/08/2024</a:t>
+              <a:t>12/09/2024</a:t>
             </a:fld>
             <a:endParaRPr lang="fr-FR"/>
           </a:p>
@@ -31510,10 +31512,10 @@
         </p:nvGrpSpPr>
         <p:grpSpPr>
           <a:xfrm>
-            <a:off x="1742797" y="1183966"/>
-            <a:ext cx="9070725" cy="4086938"/>
+            <a:off x="1742797" y="1183965"/>
+            <a:ext cx="9070725" cy="2737430"/>
             <a:chOff x="9310226" y="4891105"/>
-            <a:chExt cx="2754067" cy="1222213"/>
+            <a:chExt cx="2754067" cy="818638"/>
           </a:xfrm>
         </p:grpSpPr>
         <p:grpSp>
@@ -31531,9 +31533,9 @@
           <p:grpSpPr>
             <a:xfrm>
               <a:off x="9310226" y="4891105"/>
-              <a:ext cx="2303627" cy="825217"/>
+              <a:ext cx="2303627" cy="818638"/>
               <a:chOff x="311612" y="1516638"/>
-              <a:chExt cx="2303627" cy="825217"/>
+              <a:chExt cx="2303627" cy="818638"/>
             </a:xfrm>
           </p:grpSpPr>
           <p:grpSp>
@@ -32132,106 +32134,6 @@
               </a:p>
             </p:txBody>
           </p:sp>
-          <p:cxnSp>
-            <p:nvCxnSpPr>
-              <p:cNvPr id="1118" name="Connector: Curved 1117">
-                <a:extLst>
-                  <a:ext uri="{FF2B5EF4-FFF2-40B4-BE49-F238E27FC236}">
-                    <a16:creationId xmlns:a16="http://schemas.microsoft.com/office/drawing/2014/main" id="{D1D461AE-5CA4-3275-34E1-169E0BC02AF0}"/>
-                  </a:ext>
-                </a:extLst>
-              </p:cNvPr>
-              <p:cNvCxnSpPr>
-                <a:cxnSpLocks/>
-                <a:stCxn id="1117" idx="0"/>
-                <a:endCxn id="1122" idx="0"/>
-              </p:cNvCxnSpPr>
-              <p:nvPr/>
-            </p:nvCxnSpPr>
-            <p:spPr>
-              <a:xfrm rot="5400000" flipH="1" flipV="1">
-                <a:off x="838102" y="1739677"/>
-                <a:ext cx="4386" cy="643976"/>
-              </a:xfrm>
-              <a:prstGeom prst="curvedConnector3">
-                <a:avLst>
-                  <a:gd name="adj1" fmla="val 5846400"/>
-                </a:avLst>
-              </a:prstGeom>
-              <a:ln w="47625">
-                <a:solidFill>
-                  <a:schemeClr val="tx1">
-                    <a:lumMod val="95000"/>
-                    <a:lumOff val="5000"/>
-                  </a:schemeClr>
-                </a:solidFill>
-                <a:tailEnd type="triangle"/>
-              </a:ln>
-            </p:spPr>
-            <p:style>
-              <a:lnRef idx="1">
-                <a:schemeClr val="accent1"/>
-              </a:lnRef>
-              <a:fillRef idx="0">
-                <a:schemeClr val="accent1"/>
-              </a:fillRef>
-              <a:effectRef idx="0">
-                <a:schemeClr val="accent1"/>
-              </a:effectRef>
-              <a:fontRef idx="minor">
-                <a:schemeClr val="tx1"/>
-              </a:fontRef>
-            </p:style>
-          </p:cxnSp>
-          <p:cxnSp>
-            <p:nvCxnSpPr>
-              <p:cNvPr id="1119" name="Connector: Curved 1118">
-                <a:extLst>
-                  <a:ext uri="{FF2B5EF4-FFF2-40B4-BE49-F238E27FC236}">
-                    <a16:creationId xmlns:a16="http://schemas.microsoft.com/office/drawing/2014/main" id="{A462FF66-ED17-D193-90DF-5A9D2B2A4975}"/>
-                  </a:ext>
-                </a:extLst>
-              </p:cNvPr>
-              <p:cNvCxnSpPr>
-                <a:cxnSpLocks/>
-              </p:cNvCxnSpPr>
-              <p:nvPr/>
-            </p:nvCxnSpPr>
-            <p:spPr>
-              <a:xfrm rot="16200000" flipH="1" flipV="1">
-                <a:off x="838188" y="2020801"/>
-                <a:ext cx="4386" cy="637721"/>
-              </a:xfrm>
-              <a:prstGeom prst="curvedConnector3">
-                <a:avLst>
-                  <a:gd name="adj1" fmla="val 5312038"/>
-                </a:avLst>
-              </a:prstGeom>
-              <a:ln w="47625">
-                <a:solidFill>
-                  <a:schemeClr val="tx1">
-                    <a:lumMod val="95000"/>
-                    <a:lumOff val="5000"/>
-                  </a:schemeClr>
-                </a:solidFill>
-                <a:tailEnd type="triangle"/>
-              </a:ln>
-            </p:spPr>
-            <p:style>
-              <a:lnRef idx="1">
-                <a:schemeClr val="accent1"/>
-              </a:lnRef>
-              <a:fillRef idx="0">
-                <a:schemeClr val="accent1"/>
-              </a:fillRef>
-              <a:effectRef idx="0">
-                <a:schemeClr val="accent1"/>
-              </a:effectRef>
-              <a:fontRef idx="minor">
-                <a:schemeClr val="tx1"/>
-              </a:fontRef>
-            </p:style>
-          </p:cxnSp>
         </p:grpSp>
         <p:grpSp>
           <p:nvGrpSpPr>
@@ -32247,10 +32149,10 @@
           </p:nvGrpSpPr>
           <p:grpSpPr>
             <a:xfrm>
-              <a:off x="9780058" y="5119132"/>
-              <a:ext cx="2284235" cy="994186"/>
-              <a:chOff x="9780058" y="5119132"/>
-              <a:chExt cx="2284235" cy="994186"/>
+              <a:off x="10406388" y="5119132"/>
+              <a:ext cx="1657905" cy="443358"/>
+              <a:chOff x="10406388" y="5119132"/>
+              <a:chExt cx="1657905" cy="443358"/>
             </a:xfrm>
           </p:grpSpPr>
           <p:sp>
@@ -32360,54 +32262,6 @@
           </p:sp>
           <p:sp>
             <p:nvSpPr>
-              <p:cNvPr id="1109" name="ZoneTexte 57">
-                <a:extLst>
-                  <a:ext uri="{FF2B5EF4-FFF2-40B4-BE49-F238E27FC236}">
-                    <a16:creationId xmlns:a16="http://schemas.microsoft.com/office/drawing/2014/main" id="{44E77088-3088-079A-1008-06968FD7BA1C}"/>
-                  </a:ext>
-                </a:extLst>
-              </p:cNvPr>
-              <p:cNvSpPr txBox="1"/>
-              <p:nvPr/>
-            </p:nvSpPr>
-            <p:spPr>
-              <a:xfrm>
-                <a:off x="9780058" y="5921008"/>
-                <a:ext cx="1571407" cy="192310"/>
-              </a:xfrm>
-              <a:prstGeom prst="rect">
-                <a:avLst/>
-              </a:prstGeom>
-              <a:noFill/>
-            </p:spPr>
-            <p:txBody>
-              <a:bodyPr wrap="square" rtlCol="0">
-                <a:spAutoFit/>
-              </a:bodyPr>
-              <a:lstStyle/>
-              <a:p>
-                <a:pPr>
-                  <a:lnSpc>
-                    <a:spcPct val="107000"/>
-                  </a:lnSpc>
-                  <a:spcAft>
-                    <a:spcPts val="800"/>
-                  </a:spcAft>
-                </a:pPr>
-                <a:r>
-                  <a:rPr lang="el-GR" sz="3500" dirty="0"/>
-                  <a:t>η</a:t>
-                </a:r>
-                <a:r>
-                  <a:rPr lang="el-GR" sz="1200" dirty="0"/>
-                  <a:t> </a:t>
-                </a:r>
-                <a:endParaRPr lang="fr-FR" sz="1200" dirty="0"/>
-              </a:p>
-            </p:txBody>
-          </p:sp>
-          <p:sp>
-            <p:nvSpPr>
               <p:cNvPr id="1110" name="ZoneTexte 57">
                 <a:extLst>
                   <a:ext uri="{FF2B5EF4-FFF2-40B4-BE49-F238E27FC236}">
@@ -32466,7 +32320,7 @@
         </p:nvSpPr>
         <p:spPr>
           <a:xfrm>
-            <a:off x="1766717" y="1616021"/>
+            <a:off x="1638235" y="2811368"/>
             <a:ext cx="3047014" cy="962443"/>
           </a:xfrm>
           <a:prstGeom prst="rect">
@@ -32494,23 +32348,6 @@
                 <a:ea typeface="Calibri" panose="020F0502020204030204" pitchFamily="34" charset="0"/>
                 <a:cs typeface="Times New Roman" panose="02020603050405020304" pitchFamily="18" charset="0"/>
               </a:rPr>
-              <a:t>E</a:t>
-            </a:r>
-            <a:r>
-              <a:rPr lang="fr-FR" sz="3200" dirty="0"/>
-              <a:t>.S.E + </a:t>
-            </a:r>
-            <a:r>
-              <a:rPr lang="el-GR" sz="3200" dirty="0"/>
-              <a:t>β</a:t>
-            </a:r>
-            <a:r>
-              <a:rPr lang="fr-FR" sz="3200" b="1" kern="100" baseline="-25000" dirty="0">
-                <a:effectLst/>
-                <a:latin typeface="Calibri" panose="020F0502020204030204" pitchFamily="34" charset="0"/>
-                <a:ea typeface="Calibri" panose="020F0502020204030204" pitchFamily="34" charset="0"/>
-                <a:cs typeface="Times New Roman" panose="02020603050405020304" pitchFamily="18" charset="0"/>
-              </a:rPr>
               <a:t>I</a:t>
             </a:r>
             <a:r>
@@ -32539,6 +32376,54 @@
           </a:p>
         </p:txBody>
       </p:sp>
+      <p:cxnSp>
+        <p:nvCxnSpPr>
+          <p:cNvPr id="2" name="Connecteur droit avec flèche 1">
+            <a:extLst>
+              <a:ext uri="{FF2B5EF4-FFF2-40B4-BE49-F238E27FC236}">
+                <a16:creationId xmlns:a16="http://schemas.microsoft.com/office/drawing/2014/main" id="{ABE5B3B7-D09B-471B-284C-C83CD9389E4E}"/>
+              </a:ext>
+            </a:extLst>
+          </p:cNvPr>
+          <p:cNvCxnSpPr>
+            <a:cxnSpLocks/>
+          </p:cNvCxnSpPr>
+          <p:nvPr/>
+        </p:nvCxnSpPr>
+        <p:spPr>
+          <a:xfrm>
+            <a:off x="2798839" y="3438132"/>
+            <a:ext cx="1313610" cy="0"/>
+          </a:xfrm>
+          <a:prstGeom prst="straightConnector1">
+            <a:avLst/>
+          </a:prstGeom>
+          <a:ln w="53975">
+            <a:solidFill>
+              <a:schemeClr val="tx1">
+                <a:lumMod val="85000"/>
+                <a:lumOff val="15000"/>
+              </a:schemeClr>
+            </a:solidFill>
+            <a:headEnd type="none" w="med" len="med"/>
+            <a:tailEnd type="triangle" w="med" len="med"/>
+          </a:ln>
+        </p:spPr>
+        <p:style>
+          <a:lnRef idx="3">
+            <a:schemeClr val="accent5"/>
+          </a:lnRef>
+          <a:fillRef idx="0">
+            <a:schemeClr val="accent5"/>
+          </a:fillRef>
+          <a:effectRef idx="2">
+            <a:schemeClr val="accent5"/>
+          </a:effectRef>
+          <a:fontRef idx="minor">
+            <a:schemeClr val="tx1"/>
+          </a:fontRef>
+        </p:style>
+      </p:cxnSp>
     </p:spTree>
     <p:extLst>
       <p:ext uri="{BB962C8B-B14F-4D97-AF65-F5344CB8AC3E}">
@@ -32720,7 +32605,7 @@
                       <a:schemeClr val="tx1"/>
                     </a:solidFill>
                   </a:rPr>
-                  <a:t>NESLING A</a:t>
+                  <a:t>NESTLING A</a:t>
                 </a:r>
               </a:p>
             </p:txBody>
@@ -33076,7 +32961,7 @@
                       <a:schemeClr val="tx1"/>
                     </a:solidFill>
                   </a:rPr>
-                  <a:t>NESLING B</a:t>
+                  <a:t>NESTLING B</a:t>
                 </a:r>
               </a:p>
             </p:txBody>
@@ -33362,7 +33247,7 @@
                       <a:schemeClr val="tx1"/>
                     </a:solidFill>
                   </a:rPr>
-                  <a:t>NESLING C</a:t>
+                  <a:t>NESTLING C</a:t>
                 </a:r>
               </a:p>
             </p:txBody>
@@ -34210,6 +34095,3457 @@
     <p:extLst>
       <p:ext uri="{BB962C8B-B14F-4D97-AF65-F5344CB8AC3E}">
         <p14:creationId xmlns:p14="http://schemas.microsoft.com/office/powerpoint/2010/main" val="3770721004"/>
+      </p:ext>
+    </p:extLst>
+  </p:cSld>
+  <p:clrMapOvr>
+    <a:masterClrMapping/>
+  </p:clrMapOvr>
+</p:sld>
+</file>
+
+<file path=ppt/slides/slide16.xml><?xml version="1.0" encoding="utf-8"?>
+<p:sld xmlns:a="http://schemas.openxmlformats.org/drawingml/2006/main" xmlns:r="http://schemas.openxmlformats.org/officeDocument/2006/relationships" xmlns:p="http://schemas.openxmlformats.org/presentationml/2006/main">
+  <p:cSld>
+    <p:spTree>
+      <p:nvGrpSpPr>
+        <p:cNvPr id="1" name=""/>
+        <p:cNvGrpSpPr/>
+        <p:nvPr/>
+      </p:nvGrpSpPr>
+      <p:grpSpPr>
+        <a:xfrm>
+          <a:off x="0" y="0"/>
+          <a:ext cx="0" cy="0"/>
+          <a:chOff x="0" y="0"/>
+          <a:chExt cx="0" cy="0"/>
+        </a:xfrm>
+      </p:grpSpPr>
+      <p:grpSp>
+        <p:nvGrpSpPr>
+          <p:cNvPr id="34" name="Group 33">
+            <a:extLst>
+              <a:ext uri="{FF2B5EF4-FFF2-40B4-BE49-F238E27FC236}">
+                <a16:creationId xmlns:a16="http://schemas.microsoft.com/office/drawing/2014/main" id="{9819D81C-42B5-4CD7-CADC-F777CA309DB0}"/>
+              </a:ext>
+            </a:extLst>
+          </p:cNvPr>
+          <p:cNvGrpSpPr/>
+          <p:nvPr/>
+        </p:nvGrpSpPr>
+        <p:grpSpPr>
+          <a:xfrm rot="1491166">
+            <a:off x="23340" y="1269533"/>
+            <a:ext cx="3795628" cy="2215986"/>
+            <a:chOff x="-18020" y="571457"/>
+            <a:chExt cx="4963670" cy="3463501"/>
+          </a:xfrm>
+        </p:grpSpPr>
+        <p:grpSp>
+          <p:nvGrpSpPr>
+            <p:cNvPr id="19" name="Group 18">
+              <a:extLst>
+                <a:ext uri="{FF2B5EF4-FFF2-40B4-BE49-F238E27FC236}">
+                  <a16:creationId xmlns:a16="http://schemas.microsoft.com/office/drawing/2014/main" id="{0485A083-0366-A9B9-C695-EFD005021AAB}"/>
+                </a:ext>
+              </a:extLst>
+            </p:cNvPr>
+            <p:cNvGrpSpPr/>
+            <p:nvPr/>
+          </p:nvGrpSpPr>
+          <p:grpSpPr>
+            <a:xfrm>
+              <a:off x="-18020" y="571457"/>
+              <a:ext cx="4963670" cy="2217155"/>
+              <a:chOff x="-18020" y="571457"/>
+              <a:chExt cx="4963670" cy="2217155"/>
+            </a:xfrm>
+          </p:grpSpPr>
+          <p:sp>
+            <p:nvSpPr>
+              <p:cNvPr id="930" name="Ellipse 3">
+                <a:extLst>
+                  <a:ext uri="{FF2B5EF4-FFF2-40B4-BE49-F238E27FC236}">
+                    <a16:creationId xmlns:a16="http://schemas.microsoft.com/office/drawing/2014/main" id="{7DE2F009-641C-95BE-D428-1242829B009A}"/>
+                  </a:ext>
+                </a:extLst>
+              </p:cNvPr>
+              <p:cNvSpPr/>
+              <p:nvPr/>
+            </p:nvSpPr>
+            <p:spPr>
+              <a:xfrm rot="20055987">
+                <a:off x="575395" y="1758923"/>
+                <a:ext cx="2405966" cy="1029689"/>
+              </a:xfrm>
+              <a:prstGeom prst="ellipse">
+                <a:avLst/>
+              </a:prstGeom>
+              <a:solidFill>
+                <a:schemeClr val="bg1">
+                  <a:lumMod val="95000"/>
+                </a:schemeClr>
+              </a:solidFill>
+            </p:spPr>
+            <p:style>
+              <a:lnRef idx="2">
+                <a:schemeClr val="accent1">
+                  <a:shade val="15000"/>
+                </a:schemeClr>
+              </a:lnRef>
+              <a:fillRef idx="1">
+                <a:schemeClr val="accent1"/>
+              </a:fillRef>
+              <a:effectRef idx="0">
+                <a:schemeClr val="accent1"/>
+              </a:effectRef>
+              <a:fontRef idx="minor">
+                <a:schemeClr val="lt1"/>
+              </a:fontRef>
+            </p:style>
+            <p:txBody>
+              <a:bodyPr rtlCol="0" anchor="ctr"/>
+              <a:lstStyle/>
+              <a:p>
+                <a:pPr algn="ctr"/>
+                <a:r>
+                  <a:rPr lang="fr-FR" sz="1100" dirty="0">
+                    <a:solidFill>
+                      <a:schemeClr val="tx1"/>
+                    </a:solidFill>
+                  </a:rPr>
+                  <a:t>BREEDERS A  COLONY</a:t>
+                </a:r>
+              </a:p>
+            </p:txBody>
+          </p:sp>
+          <p:sp>
+            <p:nvSpPr>
+              <p:cNvPr id="11" name="Ellipse 3">
+                <a:extLst>
+                  <a:ext uri="{FF2B5EF4-FFF2-40B4-BE49-F238E27FC236}">
+                    <a16:creationId xmlns:a16="http://schemas.microsoft.com/office/drawing/2014/main" id="{7CD07806-8C1A-E6C6-B2B6-F2E656F8AA62}"/>
+                  </a:ext>
+                </a:extLst>
+              </p:cNvPr>
+              <p:cNvSpPr/>
+              <p:nvPr/>
+            </p:nvSpPr>
+            <p:spPr>
+              <a:xfrm rot="20055987">
+                <a:off x="-18020" y="1304490"/>
+                <a:ext cx="1856375" cy="883717"/>
+              </a:xfrm>
+              <a:prstGeom prst="ellipse">
+                <a:avLst/>
+              </a:prstGeom>
+              <a:solidFill>
+                <a:schemeClr val="bg1">
+                  <a:lumMod val="95000"/>
+                </a:schemeClr>
+              </a:solidFill>
+            </p:spPr>
+            <p:style>
+              <a:lnRef idx="2">
+                <a:schemeClr val="accent1">
+                  <a:shade val="15000"/>
+                </a:schemeClr>
+              </a:lnRef>
+              <a:fillRef idx="1">
+                <a:schemeClr val="accent1"/>
+              </a:fillRef>
+              <a:effectRef idx="0">
+                <a:schemeClr val="accent1"/>
+              </a:effectRef>
+              <a:fontRef idx="minor">
+                <a:schemeClr val="lt1"/>
+              </a:fontRef>
+            </p:style>
+            <p:txBody>
+              <a:bodyPr rtlCol="0" anchor="ctr"/>
+              <a:lstStyle/>
+              <a:p>
+                <a:pPr algn="ctr"/>
+                <a:r>
+                  <a:rPr lang="fr-FR" sz="1200" dirty="0">
+                    <a:solidFill>
+                      <a:schemeClr val="tx1"/>
+                    </a:solidFill>
+                  </a:rPr>
+                  <a:t>NESTLING A</a:t>
+                </a:r>
+              </a:p>
+            </p:txBody>
+          </p:sp>
+          <p:sp>
+            <p:nvSpPr>
+              <p:cNvPr id="18" name="Ellipse 3">
+                <a:extLst>
+                  <a:ext uri="{FF2B5EF4-FFF2-40B4-BE49-F238E27FC236}">
+                    <a16:creationId xmlns:a16="http://schemas.microsoft.com/office/drawing/2014/main" id="{45F34C5B-E346-03FC-5E6D-481F41446097}"/>
+                  </a:ext>
+                </a:extLst>
+              </p:cNvPr>
+              <p:cNvSpPr/>
+              <p:nvPr/>
+            </p:nvSpPr>
+            <p:spPr>
+              <a:xfrm rot="20055987">
+                <a:off x="2762184" y="571457"/>
+                <a:ext cx="2183466" cy="1029689"/>
+              </a:xfrm>
+              <a:prstGeom prst="ellipse">
+                <a:avLst/>
+              </a:prstGeom>
+              <a:solidFill>
+                <a:schemeClr val="bg1">
+                  <a:lumMod val="95000"/>
+                </a:schemeClr>
+              </a:solidFill>
+            </p:spPr>
+            <p:style>
+              <a:lnRef idx="2">
+                <a:schemeClr val="accent1">
+                  <a:shade val="15000"/>
+                </a:schemeClr>
+              </a:lnRef>
+              <a:fillRef idx="1">
+                <a:schemeClr val="accent1"/>
+              </a:fillRef>
+              <a:effectRef idx="0">
+                <a:schemeClr val="accent1"/>
+              </a:effectRef>
+              <a:fontRef idx="minor">
+                <a:schemeClr val="lt1"/>
+              </a:fontRef>
+            </p:style>
+            <p:txBody>
+              <a:bodyPr rtlCol="0" anchor="ctr"/>
+              <a:lstStyle/>
+              <a:p>
+                <a:pPr algn="ctr"/>
+                <a:r>
+                  <a:rPr lang="fr-FR" sz="1050" dirty="0">
+                    <a:solidFill>
+                      <a:schemeClr val="tx1"/>
+                    </a:solidFill>
+                  </a:rPr>
+                  <a:t>NON-BREEDERS A</a:t>
+                </a:r>
+              </a:p>
+              <a:p>
+                <a:pPr algn="ctr"/>
+                <a:r>
+                  <a:rPr lang="fr-FR" sz="1050" dirty="0">
+                    <a:solidFill>
+                      <a:schemeClr val="tx1"/>
+                    </a:solidFill>
+                  </a:rPr>
+                  <a:t>COLONY</a:t>
+                </a:r>
+              </a:p>
+            </p:txBody>
+          </p:sp>
+        </p:grpSp>
+        <p:sp>
+          <p:nvSpPr>
+            <p:cNvPr id="29" name="Ellipse 3">
+              <a:extLst>
+                <a:ext uri="{FF2B5EF4-FFF2-40B4-BE49-F238E27FC236}">
+                  <a16:creationId xmlns:a16="http://schemas.microsoft.com/office/drawing/2014/main" id="{9B5767BE-5B4B-BAFC-0A74-9172D4AE29B5}"/>
+                </a:ext>
+              </a:extLst>
+            </p:cNvPr>
+            <p:cNvSpPr/>
+            <p:nvPr/>
+          </p:nvSpPr>
+          <p:spPr>
+            <a:xfrm rot="20137787">
+              <a:off x="1333207" y="3005269"/>
+              <a:ext cx="1856375" cy="1029689"/>
+            </a:xfrm>
+            <a:prstGeom prst="ellipse">
+              <a:avLst/>
+            </a:prstGeom>
+            <a:solidFill>
+              <a:schemeClr val="accent1">
+                <a:lumMod val="40000"/>
+                <a:lumOff val="60000"/>
+              </a:schemeClr>
+            </a:solidFill>
+          </p:spPr>
+          <p:style>
+            <a:lnRef idx="2">
+              <a:schemeClr val="accent1">
+                <a:shade val="15000"/>
+              </a:schemeClr>
+            </a:lnRef>
+            <a:fillRef idx="1">
+              <a:schemeClr val="accent1"/>
+            </a:fillRef>
+            <a:effectRef idx="0">
+              <a:schemeClr val="accent1"/>
+            </a:effectRef>
+            <a:fontRef idx="minor">
+              <a:schemeClr val="lt1"/>
+            </a:fontRef>
+          </p:style>
+          <p:txBody>
+            <a:bodyPr rtlCol="0" anchor="ctr"/>
+            <a:lstStyle/>
+            <a:p>
+              <a:pPr algn="ctr"/>
+              <a:r>
+                <a:rPr lang="fr-FR" sz="1100" dirty="0">
+                  <a:solidFill>
+                    <a:schemeClr val="tx1"/>
+                  </a:solidFill>
+                </a:rPr>
+                <a:t>BREEDERS A  SEA</a:t>
+              </a:r>
+            </a:p>
+          </p:txBody>
+        </p:sp>
+      </p:grpSp>
+      <p:sp>
+        <p:nvSpPr>
+          <p:cNvPr id="33" name="Ellipse 3">
+            <a:extLst>
+              <a:ext uri="{FF2B5EF4-FFF2-40B4-BE49-F238E27FC236}">
+                <a16:creationId xmlns:a16="http://schemas.microsoft.com/office/drawing/2014/main" id="{16502AD4-BB28-1C13-D0A2-3D756A684FF8}"/>
+              </a:ext>
+            </a:extLst>
+          </p:cNvPr>
+          <p:cNvSpPr/>
+          <p:nvPr/>
+        </p:nvSpPr>
+        <p:spPr>
+          <a:xfrm>
+            <a:off x="5013861" y="4123185"/>
+            <a:ext cx="2164278" cy="1989507"/>
+          </a:xfrm>
+          <a:prstGeom prst="ellipse">
+            <a:avLst/>
+          </a:prstGeom>
+          <a:solidFill>
+            <a:schemeClr val="accent1">
+              <a:lumMod val="40000"/>
+              <a:lumOff val="60000"/>
+            </a:schemeClr>
+          </a:solidFill>
+        </p:spPr>
+        <p:style>
+          <a:lnRef idx="2">
+            <a:schemeClr val="accent1">
+              <a:shade val="15000"/>
+            </a:schemeClr>
+          </a:lnRef>
+          <a:fillRef idx="1">
+            <a:schemeClr val="accent1"/>
+          </a:fillRef>
+          <a:effectRef idx="0">
+            <a:schemeClr val="accent1"/>
+          </a:effectRef>
+          <a:fontRef idx="minor">
+            <a:schemeClr val="lt1"/>
+          </a:fontRef>
+        </p:style>
+        <p:txBody>
+          <a:bodyPr rtlCol="0" anchor="ctr"/>
+          <a:lstStyle/>
+          <a:p>
+            <a:pPr algn="ctr"/>
+            <a:r>
+              <a:rPr lang="fr-FR" sz="1400" dirty="0">
+                <a:solidFill>
+                  <a:schemeClr val="tx1"/>
+                </a:solidFill>
+              </a:rPr>
+              <a:t>NON-BREEDERS</a:t>
+            </a:r>
+          </a:p>
+          <a:p>
+            <a:pPr algn="ctr"/>
+            <a:r>
+              <a:rPr lang="fr-FR" sz="1400" dirty="0">
+                <a:solidFill>
+                  <a:schemeClr val="tx1"/>
+                </a:solidFill>
+              </a:rPr>
+              <a:t>SEA</a:t>
+            </a:r>
+          </a:p>
+        </p:txBody>
+      </p:sp>
+      <p:grpSp>
+        <p:nvGrpSpPr>
+          <p:cNvPr id="35" name="Group 34">
+            <a:extLst>
+              <a:ext uri="{FF2B5EF4-FFF2-40B4-BE49-F238E27FC236}">
+                <a16:creationId xmlns:a16="http://schemas.microsoft.com/office/drawing/2014/main" id="{64C8FAC1-F3E0-67C1-E797-AF26B19DFB6C}"/>
+              </a:ext>
+            </a:extLst>
+          </p:cNvPr>
+          <p:cNvGrpSpPr/>
+          <p:nvPr/>
+        </p:nvGrpSpPr>
+        <p:grpSpPr>
+          <a:xfrm rot="1491166">
+            <a:off x="4079348" y="1275180"/>
+            <a:ext cx="3795628" cy="2255679"/>
+            <a:chOff x="-18020" y="571457"/>
+            <a:chExt cx="4963670" cy="3525540"/>
+          </a:xfrm>
+        </p:grpSpPr>
+        <p:grpSp>
+          <p:nvGrpSpPr>
+            <p:cNvPr id="36" name="Group 35">
+              <a:extLst>
+                <a:ext uri="{FF2B5EF4-FFF2-40B4-BE49-F238E27FC236}">
+                  <a16:creationId xmlns:a16="http://schemas.microsoft.com/office/drawing/2014/main" id="{73D2115E-B366-A697-03FE-40E838F7DE46}"/>
+                </a:ext>
+              </a:extLst>
+            </p:cNvPr>
+            <p:cNvGrpSpPr/>
+            <p:nvPr/>
+          </p:nvGrpSpPr>
+          <p:grpSpPr>
+            <a:xfrm>
+              <a:off x="-18020" y="571457"/>
+              <a:ext cx="4963670" cy="2217155"/>
+              <a:chOff x="-18020" y="571457"/>
+              <a:chExt cx="4963670" cy="2217155"/>
+            </a:xfrm>
+          </p:grpSpPr>
+          <p:sp>
+            <p:nvSpPr>
+              <p:cNvPr id="38" name="Ellipse 3">
+                <a:extLst>
+                  <a:ext uri="{FF2B5EF4-FFF2-40B4-BE49-F238E27FC236}">
+                    <a16:creationId xmlns:a16="http://schemas.microsoft.com/office/drawing/2014/main" id="{9604F8B5-A5EB-0038-8E79-028FA4E6E2EF}"/>
+                  </a:ext>
+                </a:extLst>
+              </p:cNvPr>
+              <p:cNvSpPr/>
+              <p:nvPr/>
+            </p:nvSpPr>
+            <p:spPr>
+              <a:xfrm rot="20055987">
+                <a:off x="575395" y="1758923"/>
+                <a:ext cx="2405966" cy="1029689"/>
+              </a:xfrm>
+              <a:prstGeom prst="ellipse">
+                <a:avLst/>
+              </a:prstGeom>
+              <a:solidFill>
+                <a:schemeClr val="bg1">
+                  <a:lumMod val="95000"/>
+                </a:schemeClr>
+              </a:solidFill>
+            </p:spPr>
+            <p:style>
+              <a:lnRef idx="2">
+                <a:schemeClr val="accent1">
+                  <a:shade val="15000"/>
+                </a:schemeClr>
+              </a:lnRef>
+              <a:fillRef idx="1">
+                <a:schemeClr val="accent1"/>
+              </a:fillRef>
+              <a:effectRef idx="0">
+                <a:schemeClr val="accent1"/>
+              </a:effectRef>
+              <a:fontRef idx="minor">
+                <a:schemeClr val="lt1"/>
+              </a:fontRef>
+            </p:style>
+            <p:txBody>
+              <a:bodyPr rtlCol="0" anchor="ctr"/>
+              <a:lstStyle/>
+              <a:p>
+                <a:pPr algn="ctr"/>
+                <a:r>
+                  <a:rPr lang="fr-FR" sz="1100" dirty="0">
+                    <a:solidFill>
+                      <a:schemeClr val="tx1"/>
+                    </a:solidFill>
+                  </a:rPr>
+                  <a:t>BREEDERS B  COLONY</a:t>
+                </a:r>
+              </a:p>
+            </p:txBody>
+          </p:sp>
+          <p:sp>
+            <p:nvSpPr>
+              <p:cNvPr id="39" name="Ellipse 3">
+                <a:extLst>
+                  <a:ext uri="{FF2B5EF4-FFF2-40B4-BE49-F238E27FC236}">
+                    <a16:creationId xmlns:a16="http://schemas.microsoft.com/office/drawing/2014/main" id="{E4C567DE-92B5-2807-E081-2DF2B3363D75}"/>
+                  </a:ext>
+                </a:extLst>
+              </p:cNvPr>
+              <p:cNvSpPr/>
+              <p:nvPr/>
+            </p:nvSpPr>
+            <p:spPr>
+              <a:xfrm rot="20055987">
+                <a:off x="-18020" y="1304490"/>
+                <a:ext cx="1856375" cy="883717"/>
+              </a:xfrm>
+              <a:prstGeom prst="ellipse">
+                <a:avLst/>
+              </a:prstGeom>
+              <a:solidFill>
+                <a:schemeClr val="bg1">
+                  <a:lumMod val="95000"/>
+                </a:schemeClr>
+              </a:solidFill>
+            </p:spPr>
+            <p:style>
+              <a:lnRef idx="2">
+                <a:schemeClr val="accent1">
+                  <a:shade val="15000"/>
+                </a:schemeClr>
+              </a:lnRef>
+              <a:fillRef idx="1">
+                <a:schemeClr val="accent1"/>
+              </a:fillRef>
+              <a:effectRef idx="0">
+                <a:schemeClr val="accent1"/>
+              </a:effectRef>
+              <a:fontRef idx="minor">
+                <a:schemeClr val="lt1"/>
+              </a:fontRef>
+            </p:style>
+            <p:txBody>
+              <a:bodyPr rtlCol="0" anchor="ctr"/>
+              <a:lstStyle/>
+              <a:p>
+                <a:pPr algn="ctr"/>
+                <a:r>
+                  <a:rPr lang="fr-FR" sz="1200" dirty="0">
+                    <a:solidFill>
+                      <a:schemeClr val="tx1"/>
+                    </a:solidFill>
+                  </a:rPr>
+                  <a:t>NESTLING B</a:t>
+                </a:r>
+              </a:p>
+            </p:txBody>
+          </p:sp>
+          <p:sp>
+            <p:nvSpPr>
+              <p:cNvPr id="40" name="Ellipse 3">
+                <a:extLst>
+                  <a:ext uri="{FF2B5EF4-FFF2-40B4-BE49-F238E27FC236}">
+                    <a16:creationId xmlns:a16="http://schemas.microsoft.com/office/drawing/2014/main" id="{4B7FA516-F301-85A9-807B-111A243E830A}"/>
+                  </a:ext>
+                </a:extLst>
+              </p:cNvPr>
+              <p:cNvSpPr/>
+              <p:nvPr/>
+            </p:nvSpPr>
+            <p:spPr>
+              <a:xfrm rot="20055987">
+                <a:off x="2762184" y="571457"/>
+                <a:ext cx="2183466" cy="1029689"/>
+              </a:xfrm>
+              <a:prstGeom prst="ellipse">
+                <a:avLst/>
+              </a:prstGeom>
+              <a:solidFill>
+                <a:schemeClr val="bg1">
+                  <a:lumMod val="95000"/>
+                </a:schemeClr>
+              </a:solidFill>
+            </p:spPr>
+            <p:style>
+              <a:lnRef idx="2">
+                <a:schemeClr val="accent1">
+                  <a:shade val="15000"/>
+                </a:schemeClr>
+              </a:lnRef>
+              <a:fillRef idx="1">
+                <a:schemeClr val="accent1"/>
+              </a:fillRef>
+              <a:effectRef idx="0">
+                <a:schemeClr val="accent1"/>
+              </a:effectRef>
+              <a:fontRef idx="minor">
+                <a:schemeClr val="lt1"/>
+              </a:fontRef>
+            </p:style>
+            <p:txBody>
+              <a:bodyPr rtlCol="0" anchor="ctr"/>
+              <a:lstStyle/>
+              <a:p>
+                <a:pPr algn="ctr"/>
+                <a:r>
+                  <a:rPr lang="fr-FR" sz="1050" dirty="0">
+                    <a:solidFill>
+                      <a:schemeClr val="tx1"/>
+                    </a:solidFill>
+                  </a:rPr>
+                  <a:t>NON-BREEDERS B</a:t>
+                </a:r>
+              </a:p>
+              <a:p>
+                <a:pPr algn="ctr"/>
+                <a:r>
+                  <a:rPr lang="fr-FR" sz="1050" dirty="0">
+                    <a:solidFill>
+                      <a:schemeClr val="tx1"/>
+                    </a:solidFill>
+                  </a:rPr>
+                  <a:t>COLONY</a:t>
+                </a:r>
+              </a:p>
+            </p:txBody>
+          </p:sp>
+        </p:grpSp>
+        <p:sp>
+          <p:nvSpPr>
+            <p:cNvPr id="37" name="Ellipse 3">
+              <a:extLst>
+                <a:ext uri="{FF2B5EF4-FFF2-40B4-BE49-F238E27FC236}">
+                  <a16:creationId xmlns:a16="http://schemas.microsoft.com/office/drawing/2014/main" id="{4C85841C-BB34-F988-9E86-91BA22BAF7E0}"/>
+                </a:ext>
+              </a:extLst>
+            </p:cNvPr>
+            <p:cNvSpPr/>
+            <p:nvPr/>
+          </p:nvSpPr>
+          <p:spPr>
+            <a:xfrm rot="20137787">
+              <a:off x="1357250" y="3067308"/>
+              <a:ext cx="1856375" cy="1029689"/>
+            </a:xfrm>
+            <a:prstGeom prst="ellipse">
+              <a:avLst/>
+            </a:prstGeom>
+            <a:solidFill>
+              <a:schemeClr val="accent1">
+                <a:lumMod val="40000"/>
+                <a:lumOff val="60000"/>
+              </a:schemeClr>
+            </a:solidFill>
+          </p:spPr>
+          <p:style>
+            <a:lnRef idx="2">
+              <a:schemeClr val="accent1">
+                <a:shade val="15000"/>
+              </a:schemeClr>
+            </a:lnRef>
+            <a:fillRef idx="1">
+              <a:schemeClr val="accent1"/>
+            </a:fillRef>
+            <a:effectRef idx="0">
+              <a:schemeClr val="accent1"/>
+            </a:effectRef>
+            <a:fontRef idx="minor">
+              <a:schemeClr val="lt1"/>
+            </a:fontRef>
+          </p:style>
+          <p:txBody>
+            <a:bodyPr rtlCol="0" anchor="ctr"/>
+            <a:lstStyle/>
+            <a:p>
+              <a:pPr algn="ctr"/>
+              <a:r>
+                <a:rPr lang="fr-FR" sz="1100" dirty="0">
+                  <a:solidFill>
+                    <a:schemeClr val="tx1"/>
+                  </a:solidFill>
+                </a:rPr>
+                <a:t>BREEDERS B  SEA</a:t>
+              </a:r>
+            </a:p>
+          </p:txBody>
+        </p:sp>
+      </p:grpSp>
+      <p:grpSp>
+        <p:nvGrpSpPr>
+          <p:cNvPr id="41" name="Group 40">
+            <a:extLst>
+              <a:ext uri="{FF2B5EF4-FFF2-40B4-BE49-F238E27FC236}">
+                <a16:creationId xmlns:a16="http://schemas.microsoft.com/office/drawing/2014/main" id="{1D2C4A6E-9C12-1893-1618-D2E844B83634}"/>
+              </a:ext>
+            </a:extLst>
+          </p:cNvPr>
+          <p:cNvGrpSpPr/>
+          <p:nvPr/>
+        </p:nvGrpSpPr>
+        <p:grpSpPr>
+          <a:xfrm rot="1491166">
+            <a:off x="8078766" y="1269691"/>
+            <a:ext cx="3795628" cy="2212582"/>
+            <a:chOff x="-18020" y="571457"/>
+            <a:chExt cx="4963670" cy="3458182"/>
+          </a:xfrm>
+        </p:grpSpPr>
+        <p:grpSp>
+          <p:nvGrpSpPr>
+            <p:cNvPr id="42" name="Group 41">
+              <a:extLst>
+                <a:ext uri="{FF2B5EF4-FFF2-40B4-BE49-F238E27FC236}">
+                  <a16:creationId xmlns:a16="http://schemas.microsoft.com/office/drawing/2014/main" id="{368C10A7-D945-71A0-DF83-5BB28C53129E}"/>
+                </a:ext>
+              </a:extLst>
+            </p:cNvPr>
+            <p:cNvGrpSpPr/>
+            <p:nvPr/>
+          </p:nvGrpSpPr>
+          <p:grpSpPr>
+            <a:xfrm>
+              <a:off x="-18020" y="571457"/>
+              <a:ext cx="4963670" cy="2217155"/>
+              <a:chOff x="-18020" y="571457"/>
+              <a:chExt cx="4963670" cy="2217155"/>
+            </a:xfrm>
+          </p:grpSpPr>
+          <p:sp>
+            <p:nvSpPr>
+              <p:cNvPr id="44" name="Ellipse 3">
+                <a:extLst>
+                  <a:ext uri="{FF2B5EF4-FFF2-40B4-BE49-F238E27FC236}">
+                    <a16:creationId xmlns:a16="http://schemas.microsoft.com/office/drawing/2014/main" id="{95D40E05-6EE5-E9F9-C134-7080107F569A}"/>
+                  </a:ext>
+                </a:extLst>
+              </p:cNvPr>
+              <p:cNvSpPr/>
+              <p:nvPr/>
+            </p:nvSpPr>
+            <p:spPr>
+              <a:xfrm rot="20055987">
+                <a:off x="575395" y="1758923"/>
+                <a:ext cx="2405966" cy="1029689"/>
+              </a:xfrm>
+              <a:prstGeom prst="ellipse">
+                <a:avLst/>
+              </a:prstGeom>
+              <a:solidFill>
+                <a:schemeClr val="bg1">
+                  <a:lumMod val="95000"/>
+                </a:schemeClr>
+              </a:solidFill>
+            </p:spPr>
+            <p:style>
+              <a:lnRef idx="2">
+                <a:schemeClr val="accent1">
+                  <a:shade val="15000"/>
+                </a:schemeClr>
+              </a:lnRef>
+              <a:fillRef idx="1">
+                <a:schemeClr val="accent1"/>
+              </a:fillRef>
+              <a:effectRef idx="0">
+                <a:schemeClr val="accent1"/>
+              </a:effectRef>
+              <a:fontRef idx="minor">
+                <a:schemeClr val="lt1"/>
+              </a:fontRef>
+            </p:style>
+            <p:txBody>
+              <a:bodyPr rtlCol="0" anchor="ctr"/>
+              <a:lstStyle/>
+              <a:p>
+                <a:pPr algn="ctr"/>
+                <a:r>
+                  <a:rPr lang="fr-FR" sz="1100" dirty="0">
+                    <a:solidFill>
+                      <a:schemeClr val="tx1"/>
+                    </a:solidFill>
+                  </a:rPr>
+                  <a:t>BREEDERS C  COLONY</a:t>
+                </a:r>
+              </a:p>
+            </p:txBody>
+          </p:sp>
+          <p:sp>
+            <p:nvSpPr>
+              <p:cNvPr id="45" name="Ellipse 3">
+                <a:extLst>
+                  <a:ext uri="{FF2B5EF4-FFF2-40B4-BE49-F238E27FC236}">
+                    <a16:creationId xmlns:a16="http://schemas.microsoft.com/office/drawing/2014/main" id="{87777FB0-6E22-E3B6-633A-2595E0D436DC}"/>
+                  </a:ext>
+                </a:extLst>
+              </p:cNvPr>
+              <p:cNvSpPr/>
+              <p:nvPr/>
+            </p:nvSpPr>
+            <p:spPr>
+              <a:xfrm rot="20055987">
+                <a:off x="-18020" y="1304490"/>
+                <a:ext cx="1856375" cy="883717"/>
+              </a:xfrm>
+              <a:prstGeom prst="ellipse">
+                <a:avLst/>
+              </a:prstGeom>
+              <a:solidFill>
+                <a:schemeClr val="bg1">
+                  <a:lumMod val="95000"/>
+                </a:schemeClr>
+              </a:solidFill>
+            </p:spPr>
+            <p:style>
+              <a:lnRef idx="2">
+                <a:schemeClr val="accent1">
+                  <a:shade val="15000"/>
+                </a:schemeClr>
+              </a:lnRef>
+              <a:fillRef idx="1">
+                <a:schemeClr val="accent1"/>
+              </a:fillRef>
+              <a:effectRef idx="0">
+                <a:schemeClr val="accent1"/>
+              </a:effectRef>
+              <a:fontRef idx="minor">
+                <a:schemeClr val="lt1"/>
+              </a:fontRef>
+            </p:style>
+            <p:txBody>
+              <a:bodyPr rtlCol="0" anchor="ctr"/>
+              <a:lstStyle/>
+              <a:p>
+                <a:pPr algn="ctr"/>
+                <a:r>
+                  <a:rPr lang="fr-FR" sz="1200" dirty="0">
+                    <a:solidFill>
+                      <a:schemeClr val="tx1"/>
+                    </a:solidFill>
+                  </a:rPr>
+                  <a:t>NESTLING C</a:t>
+                </a:r>
+              </a:p>
+            </p:txBody>
+          </p:sp>
+          <p:sp>
+            <p:nvSpPr>
+              <p:cNvPr id="46" name="Ellipse 3">
+                <a:extLst>
+                  <a:ext uri="{FF2B5EF4-FFF2-40B4-BE49-F238E27FC236}">
+                    <a16:creationId xmlns:a16="http://schemas.microsoft.com/office/drawing/2014/main" id="{A56BDDFC-37FE-F924-2E11-2D58F4357880}"/>
+                  </a:ext>
+                </a:extLst>
+              </p:cNvPr>
+              <p:cNvSpPr/>
+              <p:nvPr/>
+            </p:nvSpPr>
+            <p:spPr>
+              <a:xfrm rot="20055987">
+                <a:off x="2762184" y="571457"/>
+                <a:ext cx="2183466" cy="1029689"/>
+              </a:xfrm>
+              <a:prstGeom prst="ellipse">
+                <a:avLst/>
+              </a:prstGeom>
+              <a:solidFill>
+                <a:schemeClr val="bg1">
+                  <a:lumMod val="95000"/>
+                </a:schemeClr>
+              </a:solidFill>
+            </p:spPr>
+            <p:style>
+              <a:lnRef idx="2">
+                <a:schemeClr val="accent1">
+                  <a:shade val="15000"/>
+                </a:schemeClr>
+              </a:lnRef>
+              <a:fillRef idx="1">
+                <a:schemeClr val="accent1"/>
+              </a:fillRef>
+              <a:effectRef idx="0">
+                <a:schemeClr val="accent1"/>
+              </a:effectRef>
+              <a:fontRef idx="minor">
+                <a:schemeClr val="lt1"/>
+              </a:fontRef>
+            </p:style>
+            <p:txBody>
+              <a:bodyPr rtlCol="0" anchor="ctr"/>
+              <a:lstStyle/>
+              <a:p>
+                <a:pPr algn="ctr"/>
+                <a:r>
+                  <a:rPr lang="fr-FR" sz="1050" dirty="0">
+                    <a:solidFill>
+                      <a:schemeClr val="tx1"/>
+                    </a:solidFill>
+                  </a:rPr>
+                  <a:t>NON-BREEDERS C</a:t>
+                </a:r>
+              </a:p>
+              <a:p>
+                <a:pPr algn="ctr"/>
+                <a:r>
+                  <a:rPr lang="fr-FR" sz="1050" dirty="0">
+                    <a:solidFill>
+                      <a:schemeClr val="tx1"/>
+                    </a:solidFill>
+                  </a:rPr>
+                  <a:t>COLONY</a:t>
+                </a:r>
+              </a:p>
+            </p:txBody>
+          </p:sp>
+        </p:grpSp>
+        <p:sp>
+          <p:nvSpPr>
+            <p:cNvPr id="43" name="Ellipse 3">
+              <a:extLst>
+                <a:ext uri="{FF2B5EF4-FFF2-40B4-BE49-F238E27FC236}">
+                  <a16:creationId xmlns:a16="http://schemas.microsoft.com/office/drawing/2014/main" id="{7587C4B1-A706-7829-E64C-0094B4820E53}"/>
+                </a:ext>
+              </a:extLst>
+            </p:cNvPr>
+            <p:cNvSpPr/>
+            <p:nvPr/>
+          </p:nvSpPr>
+          <p:spPr>
+            <a:xfrm rot="20137787">
+              <a:off x="1331147" y="2999950"/>
+              <a:ext cx="1856375" cy="1029689"/>
+            </a:xfrm>
+            <a:prstGeom prst="ellipse">
+              <a:avLst/>
+            </a:prstGeom>
+            <a:solidFill>
+              <a:schemeClr val="accent1">
+                <a:lumMod val="40000"/>
+                <a:lumOff val="60000"/>
+              </a:schemeClr>
+            </a:solidFill>
+          </p:spPr>
+          <p:style>
+            <a:lnRef idx="2">
+              <a:schemeClr val="accent1">
+                <a:shade val="15000"/>
+              </a:schemeClr>
+            </a:lnRef>
+            <a:fillRef idx="1">
+              <a:schemeClr val="accent1"/>
+            </a:fillRef>
+            <a:effectRef idx="0">
+              <a:schemeClr val="accent1"/>
+            </a:effectRef>
+            <a:fontRef idx="minor">
+              <a:schemeClr val="lt1"/>
+            </a:fontRef>
+          </p:style>
+          <p:txBody>
+            <a:bodyPr rtlCol="0" anchor="ctr"/>
+            <a:lstStyle/>
+            <a:p>
+              <a:pPr algn="ctr"/>
+              <a:r>
+                <a:rPr lang="fr-FR" sz="1100" dirty="0">
+                  <a:solidFill>
+                    <a:schemeClr val="tx1"/>
+                  </a:solidFill>
+                </a:rPr>
+                <a:t>BREEDERS C  SEA</a:t>
+              </a:r>
+            </a:p>
+          </p:txBody>
+        </p:sp>
+      </p:grpSp>
+      <p:cxnSp>
+        <p:nvCxnSpPr>
+          <p:cNvPr id="55" name="Connector: Elbow 54">
+            <a:extLst>
+              <a:ext uri="{FF2B5EF4-FFF2-40B4-BE49-F238E27FC236}">
+                <a16:creationId xmlns:a16="http://schemas.microsoft.com/office/drawing/2014/main" id="{2CC825BA-2800-BAD0-830F-DC1E90211EE8}"/>
+              </a:ext>
+            </a:extLst>
+          </p:cNvPr>
+          <p:cNvCxnSpPr>
+            <a:cxnSpLocks/>
+            <a:stCxn id="18" idx="4"/>
+            <a:endCxn id="33" idx="2"/>
+          </p:cNvCxnSpPr>
+          <p:nvPr/>
+        </p:nvCxnSpPr>
+        <p:spPr>
+          <a:xfrm rot="16200000" flipH="1">
+            <a:off x="2780540" y="2884617"/>
+            <a:ext cx="2670775" cy="1795867"/>
+          </a:xfrm>
+          <a:prstGeom prst="bentConnector2">
+            <a:avLst/>
+          </a:prstGeom>
+          <a:ln>
+            <a:solidFill>
+              <a:schemeClr val="tx1"/>
+            </a:solidFill>
+            <a:headEnd type="triangle"/>
+            <a:tailEnd type="triangle"/>
+          </a:ln>
+        </p:spPr>
+        <p:style>
+          <a:lnRef idx="1">
+            <a:schemeClr val="accent1"/>
+          </a:lnRef>
+          <a:fillRef idx="0">
+            <a:schemeClr val="accent1"/>
+          </a:fillRef>
+          <a:effectRef idx="0">
+            <a:schemeClr val="accent1"/>
+          </a:effectRef>
+          <a:fontRef idx="minor">
+            <a:schemeClr val="tx1"/>
+          </a:fontRef>
+        </p:style>
+      </p:cxnSp>
+      <p:cxnSp>
+        <p:nvCxnSpPr>
+          <p:cNvPr id="58" name="Connector: Elbow 57">
+            <a:extLst>
+              <a:ext uri="{FF2B5EF4-FFF2-40B4-BE49-F238E27FC236}">
+                <a16:creationId xmlns:a16="http://schemas.microsoft.com/office/drawing/2014/main" id="{9D1FC3A3-63E2-B753-B31B-4DC8614BA435}"/>
+              </a:ext>
+            </a:extLst>
+          </p:cNvPr>
+          <p:cNvCxnSpPr>
+            <a:cxnSpLocks/>
+            <a:endCxn id="33" idx="6"/>
+          </p:cNvCxnSpPr>
+          <p:nvPr/>
+        </p:nvCxnSpPr>
+        <p:spPr>
+          <a:xfrm rot="10800000" flipV="1">
+            <a:off x="7178139" y="2447159"/>
+            <a:ext cx="4089500" cy="2670779"/>
+          </a:xfrm>
+          <a:prstGeom prst="bentConnector3">
+            <a:avLst>
+              <a:gd name="adj1" fmla="val 1035"/>
+            </a:avLst>
+          </a:prstGeom>
+          <a:ln>
+            <a:solidFill>
+              <a:schemeClr val="tx1"/>
+            </a:solidFill>
+            <a:headEnd type="triangle"/>
+            <a:tailEnd type="triangle"/>
+          </a:ln>
+        </p:spPr>
+        <p:style>
+          <a:lnRef idx="1">
+            <a:schemeClr val="accent1"/>
+          </a:lnRef>
+          <a:fillRef idx="0">
+            <a:schemeClr val="accent1"/>
+          </a:fillRef>
+          <a:effectRef idx="0">
+            <a:schemeClr val="accent1"/>
+          </a:effectRef>
+          <a:fontRef idx="minor">
+            <a:schemeClr val="tx1"/>
+          </a:fontRef>
+        </p:style>
+      </p:cxnSp>
+      <p:cxnSp>
+        <p:nvCxnSpPr>
+          <p:cNvPr id="63" name="Connector: Elbow 62">
+            <a:extLst>
+              <a:ext uri="{FF2B5EF4-FFF2-40B4-BE49-F238E27FC236}">
+                <a16:creationId xmlns:a16="http://schemas.microsoft.com/office/drawing/2014/main" id="{ABEA6743-7D7A-54C2-A9B9-05A237A0F163}"/>
+              </a:ext>
+            </a:extLst>
+          </p:cNvPr>
+          <p:cNvCxnSpPr>
+            <a:cxnSpLocks/>
+            <a:endCxn id="33" idx="0"/>
+          </p:cNvCxnSpPr>
+          <p:nvPr/>
+        </p:nvCxnSpPr>
+        <p:spPr>
+          <a:xfrm rot="5400000">
+            <a:off x="5840063" y="2703097"/>
+            <a:ext cx="1676025" cy="1164150"/>
+          </a:xfrm>
+          <a:prstGeom prst="bentConnector3">
+            <a:avLst>
+              <a:gd name="adj1" fmla="val 71706"/>
+            </a:avLst>
+          </a:prstGeom>
+          <a:ln>
+            <a:solidFill>
+              <a:schemeClr val="tx1"/>
+            </a:solidFill>
+            <a:headEnd type="triangle"/>
+            <a:tailEnd type="triangle"/>
+          </a:ln>
+        </p:spPr>
+        <p:style>
+          <a:lnRef idx="1">
+            <a:schemeClr val="accent1"/>
+          </a:lnRef>
+          <a:fillRef idx="0">
+            <a:schemeClr val="accent1"/>
+          </a:fillRef>
+          <a:effectRef idx="0">
+            <a:schemeClr val="accent1"/>
+          </a:effectRef>
+          <a:fontRef idx="minor">
+            <a:schemeClr val="tx1"/>
+          </a:fontRef>
+        </p:style>
+      </p:cxnSp>
+      <p:cxnSp>
+        <p:nvCxnSpPr>
+          <p:cNvPr id="198" name="Connector: Elbow 197">
+            <a:extLst>
+              <a:ext uri="{FF2B5EF4-FFF2-40B4-BE49-F238E27FC236}">
+                <a16:creationId xmlns:a16="http://schemas.microsoft.com/office/drawing/2014/main" id="{01AC9975-0E0B-3ABA-1067-B91D88FCDD83}"/>
+              </a:ext>
+            </a:extLst>
+          </p:cNvPr>
+          <p:cNvCxnSpPr>
+            <a:cxnSpLocks/>
+          </p:cNvCxnSpPr>
+          <p:nvPr/>
+        </p:nvCxnSpPr>
+        <p:spPr>
+          <a:xfrm rot="16200000" flipH="1">
+            <a:off x="1293240" y="2496197"/>
+            <a:ext cx="274818" cy="174843"/>
+          </a:xfrm>
+          <a:prstGeom prst="bentConnector3">
+            <a:avLst>
+              <a:gd name="adj1" fmla="val 50000"/>
+            </a:avLst>
+          </a:prstGeom>
+          <a:ln>
+            <a:solidFill>
+              <a:schemeClr val="tx1"/>
+            </a:solidFill>
+            <a:headEnd type="triangle"/>
+            <a:tailEnd type="triangle"/>
+          </a:ln>
+        </p:spPr>
+        <p:style>
+          <a:lnRef idx="1">
+            <a:schemeClr val="accent1"/>
+          </a:lnRef>
+          <a:fillRef idx="0">
+            <a:schemeClr val="accent1"/>
+          </a:fillRef>
+          <a:effectRef idx="0">
+            <a:schemeClr val="accent1"/>
+          </a:effectRef>
+          <a:fontRef idx="minor">
+            <a:schemeClr val="tx1"/>
+          </a:fontRef>
+        </p:style>
+      </p:cxnSp>
+      <p:cxnSp>
+        <p:nvCxnSpPr>
+          <p:cNvPr id="200" name="Connector: Elbow 199">
+            <a:extLst>
+              <a:ext uri="{FF2B5EF4-FFF2-40B4-BE49-F238E27FC236}">
+                <a16:creationId xmlns:a16="http://schemas.microsoft.com/office/drawing/2014/main" id="{D33685BF-867F-7829-E844-2ADFC8E91693}"/>
+              </a:ext>
+            </a:extLst>
+          </p:cNvPr>
+          <p:cNvCxnSpPr>
+            <a:cxnSpLocks/>
+          </p:cNvCxnSpPr>
+          <p:nvPr/>
+        </p:nvCxnSpPr>
+        <p:spPr>
+          <a:xfrm rot="16200000" flipH="1">
+            <a:off x="5358222" y="2525554"/>
+            <a:ext cx="274818" cy="174843"/>
+          </a:xfrm>
+          <a:prstGeom prst="bentConnector3">
+            <a:avLst>
+              <a:gd name="adj1" fmla="val 50000"/>
+            </a:avLst>
+          </a:prstGeom>
+          <a:ln>
+            <a:solidFill>
+              <a:schemeClr val="tx1"/>
+            </a:solidFill>
+            <a:headEnd type="triangle"/>
+            <a:tailEnd type="triangle"/>
+          </a:ln>
+        </p:spPr>
+        <p:style>
+          <a:lnRef idx="1">
+            <a:schemeClr val="accent1"/>
+          </a:lnRef>
+          <a:fillRef idx="0">
+            <a:schemeClr val="accent1"/>
+          </a:fillRef>
+          <a:effectRef idx="0">
+            <a:schemeClr val="accent1"/>
+          </a:effectRef>
+          <a:fontRef idx="minor">
+            <a:schemeClr val="tx1"/>
+          </a:fontRef>
+        </p:style>
+      </p:cxnSp>
+      <p:cxnSp>
+        <p:nvCxnSpPr>
+          <p:cNvPr id="201" name="Connector: Elbow 200">
+            <a:extLst>
+              <a:ext uri="{FF2B5EF4-FFF2-40B4-BE49-F238E27FC236}">
+                <a16:creationId xmlns:a16="http://schemas.microsoft.com/office/drawing/2014/main" id="{801BA3EA-ED13-EA89-A5CB-A864491B02FE}"/>
+              </a:ext>
+            </a:extLst>
+          </p:cNvPr>
+          <p:cNvCxnSpPr>
+            <a:cxnSpLocks/>
+          </p:cNvCxnSpPr>
+          <p:nvPr/>
+        </p:nvCxnSpPr>
+        <p:spPr>
+          <a:xfrm rot="16200000" flipH="1">
+            <a:off x="9366892" y="2490500"/>
+            <a:ext cx="274818" cy="174843"/>
+          </a:xfrm>
+          <a:prstGeom prst="bentConnector3">
+            <a:avLst>
+              <a:gd name="adj1" fmla="val 50000"/>
+            </a:avLst>
+          </a:prstGeom>
+          <a:ln>
+            <a:solidFill>
+              <a:schemeClr val="tx1"/>
+            </a:solidFill>
+            <a:headEnd type="triangle"/>
+            <a:tailEnd type="triangle"/>
+          </a:ln>
+        </p:spPr>
+        <p:style>
+          <a:lnRef idx="1">
+            <a:schemeClr val="accent1"/>
+          </a:lnRef>
+          <a:fillRef idx="0">
+            <a:schemeClr val="accent1"/>
+          </a:fillRef>
+          <a:effectRef idx="0">
+            <a:schemeClr val="accent1"/>
+          </a:effectRef>
+          <a:fontRef idx="minor">
+            <a:schemeClr val="tx1"/>
+          </a:fontRef>
+        </p:style>
+      </p:cxnSp>
+      <p:cxnSp>
+        <p:nvCxnSpPr>
+          <p:cNvPr id="202" name="Connector: Elbow 201">
+            <a:extLst>
+              <a:ext uri="{FF2B5EF4-FFF2-40B4-BE49-F238E27FC236}">
+                <a16:creationId xmlns:a16="http://schemas.microsoft.com/office/drawing/2014/main" id="{19E5C721-3650-E300-7B01-58712726AD91}"/>
+              </a:ext>
+            </a:extLst>
+          </p:cNvPr>
+          <p:cNvCxnSpPr>
+            <a:cxnSpLocks/>
+            <a:stCxn id="930" idx="7"/>
+            <a:endCxn id="18" idx="0"/>
+          </p:cNvCxnSpPr>
+          <p:nvPr/>
+        </p:nvCxnSpPr>
+        <p:spPr>
+          <a:xfrm rot="5400000" flipH="1" flipV="1">
+            <a:off x="2599666" y="1289050"/>
+            <a:ext cx="108813" cy="1107587"/>
+          </a:xfrm>
+          <a:prstGeom prst="bentConnector3">
+            <a:avLst>
+              <a:gd name="adj1" fmla="val 310121"/>
+            </a:avLst>
+          </a:prstGeom>
+          <a:ln>
+            <a:solidFill>
+              <a:schemeClr val="tx1"/>
+            </a:solidFill>
+            <a:headEnd type="none"/>
+            <a:tailEnd type="triangle"/>
+          </a:ln>
+        </p:spPr>
+        <p:style>
+          <a:lnRef idx="1">
+            <a:schemeClr val="accent1"/>
+          </a:lnRef>
+          <a:fillRef idx="0">
+            <a:schemeClr val="accent1"/>
+          </a:fillRef>
+          <a:effectRef idx="0">
+            <a:schemeClr val="accent1"/>
+          </a:effectRef>
+          <a:fontRef idx="minor">
+            <a:schemeClr val="tx1"/>
+          </a:fontRef>
+        </p:style>
+      </p:cxnSp>
+      <p:cxnSp>
+        <p:nvCxnSpPr>
+          <p:cNvPr id="205" name="Connector: Elbow 204">
+            <a:extLst>
+              <a:ext uri="{FF2B5EF4-FFF2-40B4-BE49-F238E27FC236}">
+                <a16:creationId xmlns:a16="http://schemas.microsoft.com/office/drawing/2014/main" id="{5C7474BF-3699-CB23-A010-6DEA1BD90D01}"/>
+              </a:ext>
+            </a:extLst>
+          </p:cNvPr>
+          <p:cNvCxnSpPr>
+            <a:cxnSpLocks/>
+          </p:cNvCxnSpPr>
+          <p:nvPr/>
+        </p:nvCxnSpPr>
+        <p:spPr>
+          <a:xfrm rot="5400000" flipH="1" flipV="1">
+            <a:off x="6671672" y="1276215"/>
+            <a:ext cx="108813" cy="1107587"/>
+          </a:xfrm>
+          <a:prstGeom prst="bentConnector3">
+            <a:avLst>
+              <a:gd name="adj1" fmla="val 310121"/>
+            </a:avLst>
+          </a:prstGeom>
+          <a:ln>
+            <a:solidFill>
+              <a:schemeClr val="tx1"/>
+            </a:solidFill>
+            <a:headEnd type="none"/>
+            <a:tailEnd type="triangle"/>
+          </a:ln>
+        </p:spPr>
+        <p:style>
+          <a:lnRef idx="1">
+            <a:schemeClr val="accent1"/>
+          </a:lnRef>
+          <a:fillRef idx="0">
+            <a:schemeClr val="accent1"/>
+          </a:fillRef>
+          <a:effectRef idx="0">
+            <a:schemeClr val="accent1"/>
+          </a:effectRef>
+          <a:fontRef idx="minor">
+            <a:schemeClr val="tx1"/>
+          </a:fontRef>
+        </p:style>
+      </p:cxnSp>
+      <p:cxnSp>
+        <p:nvCxnSpPr>
+          <p:cNvPr id="206" name="Connector: Elbow 205">
+            <a:extLst>
+              <a:ext uri="{FF2B5EF4-FFF2-40B4-BE49-F238E27FC236}">
+                <a16:creationId xmlns:a16="http://schemas.microsoft.com/office/drawing/2014/main" id="{C1A208FB-6375-9FED-9C72-E60C98D78584}"/>
+              </a:ext>
+            </a:extLst>
+          </p:cNvPr>
+          <p:cNvCxnSpPr>
+            <a:cxnSpLocks/>
+          </p:cNvCxnSpPr>
+          <p:nvPr/>
+        </p:nvCxnSpPr>
+        <p:spPr>
+          <a:xfrm rot="5400000" flipH="1" flipV="1">
+            <a:off x="10659439" y="1304736"/>
+            <a:ext cx="108813" cy="1107587"/>
+          </a:xfrm>
+          <a:prstGeom prst="bentConnector3">
+            <a:avLst>
+              <a:gd name="adj1" fmla="val 310121"/>
+            </a:avLst>
+          </a:prstGeom>
+          <a:ln>
+            <a:solidFill>
+              <a:schemeClr val="tx1"/>
+            </a:solidFill>
+            <a:headEnd type="none"/>
+            <a:tailEnd type="triangle"/>
+          </a:ln>
+        </p:spPr>
+        <p:style>
+          <a:lnRef idx="1">
+            <a:schemeClr val="accent1"/>
+          </a:lnRef>
+          <a:fillRef idx="0">
+            <a:schemeClr val="accent1"/>
+          </a:fillRef>
+          <a:effectRef idx="0">
+            <a:schemeClr val="accent1"/>
+          </a:effectRef>
+          <a:fontRef idx="minor">
+            <a:schemeClr val="tx1"/>
+          </a:fontRef>
+        </p:style>
+      </p:cxnSp>
+      <p:sp>
+        <p:nvSpPr>
+          <p:cNvPr id="211" name="Rectangle 210">
+            <a:extLst>
+              <a:ext uri="{FF2B5EF4-FFF2-40B4-BE49-F238E27FC236}">
+                <a16:creationId xmlns:a16="http://schemas.microsoft.com/office/drawing/2014/main" id="{760B6DBF-ED76-DB2F-1848-4CEEBC067EFC}"/>
+              </a:ext>
+            </a:extLst>
+          </p:cNvPr>
+          <p:cNvSpPr/>
+          <p:nvPr/>
+        </p:nvSpPr>
+        <p:spPr>
+          <a:xfrm>
+            <a:off x="218440" y="1143000"/>
+            <a:ext cx="3908272" cy="1440180"/>
+          </a:xfrm>
+          <a:prstGeom prst="rect">
+            <a:avLst/>
+          </a:prstGeom>
+          <a:noFill/>
+          <a:ln w="22225">
+            <a:prstDash val="sysDot"/>
+          </a:ln>
+        </p:spPr>
+        <p:style>
+          <a:lnRef idx="2">
+            <a:schemeClr val="accent1">
+              <a:shade val="15000"/>
+            </a:schemeClr>
+          </a:lnRef>
+          <a:fillRef idx="1">
+            <a:schemeClr val="accent1"/>
+          </a:fillRef>
+          <a:effectRef idx="0">
+            <a:schemeClr val="accent1"/>
+          </a:effectRef>
+          <a:fontRef idx="minor">
+            <a:schemeClr val="lt1"/>
+          </a:fontRef>
+        </p:style>
+        <p:txBody>
+          <a:bodyPr rtlCol="0" anchor="ctr"/>
+          <a:lstStyle/>
+          <a:p>
+            <a:pPr algn="ctr"/>
+            <a:endParaRPr lang="en-US"/>
+          </a:p>
+        </p:txBody>
+      </p:sp>
+      <p:sp>
+        <p:nvSpPr>
+          <p:cNvPr id="212" name="Rectangle 211">
+            <a:extLst>
+              <a:ext uri="{FF2B5EF4-FFF2-40B4-BE49-F238E27FC236}">
+                <a16:creationId xmlns:a16="http://schemas.microsoft.com/office/drawing/2014/main" id="{C1D0A1F2-347D-18F0-3933-122C90A4C559}"/>
+              </a:ext>
+            </a:extLst>
+          </p:cNvPr>
+          <p:cNvSpPr/>
+          <p:nvPr/>
+        </p:nvSpPr>
+        <p:spPr>
+          <a:xfrm>
+            <a:off x="4192068" y="1143000"/>
+            <a:ext cx="3908272" cy="1440180"/>
+          </a:xfrm>
+          <a:prstGeom prst="rect">
+            <a:avLst/>
+          </a:prstGeom>
+          <a:noFill/>
+          <a:ln w="22225">
+            <a:prstDash val="sysDot"/>
+          </a:ln>
+        </p:spPr>
+        <p:style>
+          <a:lnRef idx="2">
+            <a:schemeClr val="accent1">
+              <a:shade val="15000"/>
+            </a:schemeClr>
+          </a:lnRef>
+          <a:fillRef idx="1">
+            <a:schemeClr val="accent1"/>
+          </a:fillRef>
+          <a:effectRef idx="0">
+            <a:schemeClr val="accent1"/>
+          </a:effectRef>
+          <a:fontRef idx="minor">
+            <a:schemeClr val="lt1"/>
+          </a:fontRef>
+        </p:style>
+        <p:txBody>
+          <a:bodyPr rtlCol="0" anchor="ctr"/>
+          <a:lstStyle/>
+          <a:p>
+            <a:pPr algn="ctr"/>
+            <a:endParaRPr lang="en-US"/>
+          </a:p>
+        </p:txBody>
+      </p:sp>
+      <p:sp>
+        <p:nvSpPr>
+          <p:cNvPr id="214" name="Rectangle 213">
+            <a:extLst>
+              <a:ext uri="{FF2B5EF4-FFF2-40B4-BE49-F238E27FC236}">
+                <a16:creationId xmlns:a16="http://schemas.microsoft.com/office/drawing/2014/main" id="{CE6DBF56-5140-9F5B-46D8-2F43D9579966}"/>
+              </a:ext>
+            </a:extLst>
+          </p:cNvPr>
+          <p:cNvSpPr/>
+          <p:nvPr/>
+        </p:nvSpPr>
+        <p:spPr>
+          <a:xfrm>
+            <a:off x="8256418" y="1137741"/>
+            <a:ext cx="3908272" cy="1440180"/>
+          </a:xfrm>
+          <a:prstGeom prst="rect">
+            <a:avLst/>
+          </a:prstGeom>
+          <a:noFill/>
+          <a:ln w="22225">
+            <a:prstDash val="sysDot"/>
+          </a:ln>
+        </p:spPr>
+        <p:style>
+          <a:lnRef idx="2">
+            <a:schemeClr val="accent1">
+              <a:shade val="15000"/>
+            </a:schemeClr>
+          </a:lnRef>
+          <a:fillRef idx="1">
+            <a:schemeClr val="accent1"/>
+          </a:fillRef>
+          <a:effectRef idx="0">
+            <a:schemeClr val="accent1"/>
+          </a:effectRef>
+          <a:fontRef idx="minor">
+            <a:schemeClr val="lt1"/>
+          </a:fontRef>
+        </p:style>
+        <p:txBody>
+          <a:bodyPr rtlCol="0" anchor="ctr"/>
+          <a:lstStyle/>
+          <a:p>
+            <a:pPr algn="ctr"/>
+            <a:endParaRPr lang="en-US"/>
+          </a:p>
+        </p:txBody>
+      </p:sp>
+      <p:sp>
+        <p:nvSpPr>
+          <p:cNvPr id="215" name="ZoneTexte 102">
+            <a:extLst>
+              <a:ext uri="{FF2B5EF4-FFF2-40B4-BE49-F238E27FC236}">
+                <a16:creationId xmlns:a16="http://schemas.microsoft.com/office/drawing/2014/main" id="{8F2CAF1F-5029-A871-4A32-EF05D0F9F2C9}"/>
+              </a:ext>
+            </a:extLst>
+          </p:cNvPr>
+          <p:cNvSpPr txBox="1"/>
+          <p:nvPr/>
+        </p:nvSpPr>
+        <p:spPr>
+          <a:xfrm>
+            <a:off x="1575717" y="692798"/>
+            <a:ext cx="1049124" cy="307777"/>
+          </a:xfrm>
+          <a:prstGeom prst="rect">
+            <a:avLst/>
+          </a:prstGeom>
+          <a:solidFill>
+            <a:schemeClr val="bg1">
+              <a:lumMod val="85000"/>
+            </a:schemeClr>
+          </a:solidFill>
+        </p:spPr>
+        <p:txBody>
+          <a:bodyPr wrap="square" rtlCol="0">
+            <a:spAutoFit/>
+          </a:bodyPr>
+          <a:lstStyle/>
+          <a:p>
+            <a:r>
+              <a:rPr lang="fr-FR" sz="1400" b="1" kern="100" dirty="0">
+                <a:effectLst/>
+                <a:latin typeface="Calibri" panose="020F0502020204030204" pitchFamily="34" charset="0"/>
+                <a:ea typeface="Calibri" panose="020F0502020204030204" pitchFamily="34" charset="0"/>
+                <a:cs typeface="Times New Roman" panose="02020603050405020304" pitchFamily="18" charset="0"/>
+              </a:rPr>
+              <a:t>COLONY A</a:t>
+            </a:r>
+          </a:p>
+        </p:txBody>
+      </p:sp>
+      <p:sp>
+        <p:nvSpPr>
+          <p:cNvPr id="216" name="ZoneTexte 102">
+            <a:extLst>
+              <a:ext uri="{FF2B5EF4-FFF2-40B4-BE49-F238E27FC236}">
+                <a16:creationId xmlns:a16="http://schemas.microsoft.com/office/drawing/2014/main" id="{7F08EFE6-9FAA-C095-9954-A6724364451C}"/>
+              </a:ext>
+            </a:extLst>
+          </p:cNvPr>
+          <p:cNvSpPr txBox="1"/>
+          <p:nvPr/>
+        </p:nvSpPr>
+        <p:spPr>
+          <a:xfrm>
+            <a:off x="9696137" y="735692"/>
+            <a:ext cx="1049124" cy="307777"/>
+          </a:xfrm>
+          <a:prstGeom prst="rect">
+            <a:avLst/>
+          </a:prstGeom>
+          <a:solidFill>
+            <a:schemeClr val="bg1">
+              <a:lumMod val="85000"/>
+            </a:schemeClr>
+          </a:solidFill>
+        </p:spPr>
+        <p:txBody>
+          <a:bodyPr wrap="square" rtlCol="0">
+            <a:spAutoFit/>
+          </a:bodyPr>
+          <a:lstStyle/>
+          <a:p>
+            <a:r>
+              <a:rPr lang="fr-FR" sz="1400" b="1" kern="100" dirty="0">
+                <a:effectLst/>
+                <a:latin typeface="Calibri" panose="020F0502020204030204" pitchFamily="34" charset="0"/>
+                <a:ea typeface="Calibri" panose="020F0502020204030204" pitchFamily="34" charset="0"/>
+                <a:cs typeface="Times New Roman" panose="02020603050405020304" pitchFamily="18" charset="0"/>
+              </a:rPr>
+              <a:t>COLONY C</a:t>
+            </a:r>
+          </a:p>
+        </p:txBody>
+      </p:sp>
+      <p:sp>
+        <p:nvSpPr>
+          <p:cNvPr id="217" name="ZoneTexte 102">
+            <a:extLst>
+              <a:ext uri="{FF2B5EF4-FFF2-40B4-BE49-F238E27FC236}">
+                <a16:creationId xmlns:a16="http://schemas.microsoft.com/office/drawing/2014/main" id="{E857E072-2993-41F3-AE17-2226BE4CDC65}"/>
+              </a:ext>
+            </a:extLst>
+          </p:cNvPr>
+          <p:cNvSpPr txBox="1"/>
+          <p:nvPr/>
+        </p:nvSpPr>
+        <p:spPr>
+          <a:xfrm>
+            <a:off x="5621642" y="654603"/>
+            <a:ext cx="1049124" cy="307777"/>
+          </a:xfrm>
+          <a:prstGeom prst="rect">
+            <a:avLst/>
+          </a:prstGeom>
+          <a:solidFill>
+            <a:schemeClr val="bg1">
+              <a:lumMod val="85000"/>
+            </a:schemeClr>
+          </a:solidFill>
+        </p:spPr>
+        <p:txBody>
+          <a:bodyPr wrap="square" rtlCol="0">
+            <a:spAutoFit/>
+          </a:bodyPr>
+          <a:lstStyle/>
+          <a:p>
+            <a:r>
+              <a:rPr lang="fr-FR" sz="1400" b="1" kern="100" dirty="0">
+                <a:effectLst/>
+                <a:latin typeface="Calibri" panose="020F0502020204030204" pitchFamily="34" charset="0"/>
+                <a:ea typeface="Calibri" panose="020F0502020204030204" pitchFamily="34" charset="0"/>
+                <a:cs typeface="Times New Roman" panose="02020603050405020304" pitchFamily="18" charset="0"/>
+              </a:rPr>
+              <a:t>COLONY B</a:t>
+            </a:r>
+          </a:p>
+        </p:txBody>
+      </p:sp>
+      <p:sp>
+        <p:nvSpPr>
+          <p:cNvPr id="2" name="Rectangle 1">
+            <a:extLst>
+              <a:ext uri="{FF2B5EF4-FFF2-40B4-BE49-F238E27FC236}">
+                <a16:creationId xmlns:a16="http://schemas.microsoft.com/office/drawing/2014/main" id="{380C0103-F577-6FF1-C963-1B05F7D69169}"/>
+              </a:ext>
+            </a:extLst>
+          </p:cNvPr>
+          <p:cNvSpPr/>
+          <p:nvPr/>
+        </p:nvSpPr>
+        <p:spPr>
+          <a:xfrm>
+            <a:off x="511882" y="1830007"/>
+            <a:ext cx="1861254" cy="1520567"/>
+          </a:xfrm>
+          <a:prstGeom prst="rect">
+            <a:avLst/>
+          </a:prstGeom>
+          <a:noFill/>
+          <a:ln w="57150">
+            <a:solidFill>
+              <a:srgbClr val="FF520D"/>
+            </a:solidFill>
+            <a:prstDash val="solid"/>
+          </a:ln>
+        </p:spPr>
+        <p:style>
+          <a:lnRef idx="2">
+            <a:schemeClr val="accent1">
+              <a:shade val="15000"/>
+            </a:schemeClr>
+          </a:lnRef>
+          <a:fillRef idx="1">
+            <a:schemeClr val="accent1"/>
+          </a:fillRef>
+          <a:effectRef idx="0">
+            <a:schemeClr val="accent1"/>
+          </a:effectRef>
+          <a:fontRef idx="minor">
+            <a:schemeClr val="lt1"/>
+          </a:fontRef>
+        </p:style>
+        <p:txBody>
+          <a:bodyPr rtlCol="0" anchor="ctr"/>
+          <a:lstStyle/>
+          <a:p>
+            <a:pPr algn="ctr"/>
+            <a:endParaRPr lang="en-US"/>
+          </a:p>
+        </p:txBody>
+      </p:sp>
+      <p:cxnSp>
+        <p:nvCxnSpPr>
+          <p:cNvPr id="7" name="Connector: Elbow 6">
+            <a:extLst>
+              <a:ext uri="{FF2B5EF4-FFF2-40B4-BE49-F238E27FC236}">
+                <a16:creationId xmlns:a16="http://schemas.microsoft.com/office/drawing/2014/main" id="{2E86B34E-A969-5C0C-CB43-34BDD6D52809}"/>
+              </a:ext>
+            </a:extLst>
+          </p:cNvPr>
+          <p:cNvCxnSpPr>
+            <a:cxnSpLocks/>
+            <a:stCxn id="2" idx="2"/>
+            <a:endCxn id="33" idx="1"/>
+          </p:cNvCxnSpPr>
+          <p:nvPr/>
+        </p:nvCxnSpPr>
+        <p:spPr>
+          <a:xfrm rot="16200000" flipH="1">
+            <a:off x="2854676" y="1938406"/>
+            <a:ext cx="1063968" cy="3888303"/>
+          </a:xfrm>
+          <a:prstGeom prst="bentConnector3">
+            <a:avLst>
+              <a:gd name="adj1" fmla="val 50000"/>
+            </a:avLst>
+          </a:prstGeom>
+          <a:ln w="60325">
+            <a:solidFill>
+              <a:srgbClr val="FF520D"/>
+            </a:solidFill>
+            <a:headEnd type="none"/>
+            <a:tailEnd type="triangle"/>
+          </a:ln>
+        </p:spPr>
+        <p:style>
+          <a:lnRef idx="1">
+            <a:schemeClr val="accent1"/>
+          </a:lnRef>
+          <a:fillRef idx="0">
+            <a:schemeClr val="accent1"/>
+          </a:fillRef>
+          <a:effectRef idx="0">
+            <a:schemeClr val="accent1"/>
+          </a:effectRef>
+          <a:fontRef idx="minor">
+            <a:schemeClr val="tx1"/>
+          </a:fontRef>
+        </p:style>
+      </p:cxnSp>
+    </p:spTree>
+    <p:extLst>
+      <p:ext uri="{BB962C8B-B14F-4D97-AF65-F5344CB8AC3E}">
+        <p14:creationId xmlns:p14="http://schemas.microsoft.com/office/powerpoint/2010/main" val="349439310"/>
+      </p:ext>
+    </p:extLst>
+  </p:cSld>
+  <p:clrMapOvr>
+    <a:masterClrMapping/>
+  </p:clrMapOvr>
+</p:sld>
+</file>
+
+<file path=ppt/slides/slide17.xml><?xml version="1.0" encoding="utf-8"?>
+<p:sld xmlns:a="http://schemas.openxmlformats.org/drawingml/2006/main" xmlns:r="http://schemas.openxmlformats.org/officeDocument/2006/relationships" xmlns:p="http://schemas.openxmlformats.org/presentationml/2006/main">
+  <p:cSld>
+    <p:spTree>
+      <p:nvGrpSpPr>
+        <p:cNvPr id="1" name=""/>
+        <p:cNvGrpSpPr/>
+        <p:nvPr/>
+      </p:nvGrpSpPr>
+      <p:grpSpPr>
+        <a:xfrm>
+          <a:off x="0" y="0"/>
+          <a:ext cx="0" cy="0"/>
+          <a:chOff x="0" y="0"/>
+          <a:chExt cx="0" cy="0"/>
+        </a:xfrm>
+      </p:grpSpPr>
+      <p:grpSp>
+        <p:nvGrpSpPr>
+          <p:cNvPr id="34" name="Group 33">
+            <a:extLst>
+              <a:ext uri="{FF2B5EF4-FFF2-40B4-BE49-F238E27FC236}">
+                <a16:creationId xmlns:a16="http://schemas.microsoft.com/office/drawing/2014/main" id="{9819D81C-42B5-4CD7-CADC-F777CA309DB0}"/>
+              </a:ext>
+            </a:extLst>
+          </p:cNvPr>
+          <p:cNvGrpSpPr/>
+          <p:nvPr/>
+        </p:nvGrpSpPr>
+        <p:grpSpPr>
+          <a:xfrm rot="1491166">
+            <a:off x="23340" y="1269533"/>
+            <a:ext cx="3795628" cy="2215986"/>
+            <a:chOff x="-18020" y="571457"/>
+            <a:chExt cx="4963670" cy="3463501"/>
+          </a:xfrm>
+        </p:grpSpPr>
+        <p:grpSp>
+          <p:nvGrpSpPr>
+            <p:cNvPr id="19" name="Group 18">
+              <a:extLst>
+                <a:ext uri="{FF2B5EF4-FFF2-40B4-BE49-F238E27FC236}">
+                  <a16:creationId xmlns:a16="http://schemas.microsoft.com/office/drawing/2014/main" id="{0485A083-0366-A9B9-C695-EFD005021AAB}"/>
+                </a:ext>
+              </a:extLst>
+            </p:cNvPr>
+            <p:cNvGrpSpPr/>
+            <p:nvPr/>
+          </p:nvGrpSpPr>
+          <p:grpSpPr>
+            <a:xfrm>
+              <a:off x="-18020" y="571457"/>
+              <a:ext cx="4963670" cy="2217155"/>
+              <a:chOff x="-18020" y="571457"/>
+              <a:chExt cx="4963670" cy="2217155"/>
+            </a:xfrm>
+          </p:grpSpPr>
+          <p:sp>
+            <p:nvSpPr>
+              <p:cNvPr id="930" name="Ellipse 3">
+                <a:extLst>
+                  <a:ext uri="{FF2B5EF4-FFF2-40B4-BE49-F238E27FC236}">
+                    <a16:creationId xmlns:a16="http://schemas.microsoft.com/office/drawing/2014/main" id="{7DE2F009-641C-95BE-D428-1242829B009A}"/>
+                  </a:ext>
+                </a:extLst>
+              </p:cNvPr>
+              <p:cNvSpPr/>
+              <p:nvPr/>
+            </p:nvSpPr>
+            <p:spPr>
+              <a:xfrm rot="20055987">
+                <a:off x="575395" y="1758923"/>
+                <a:ext cx="2405966" cy="1029689"/>
+              </a:xfrm>
+              <a:prstGeom prst="ellipse">
+                <a:avLst/>
+              </a:prstGeom>
+              <a:solidFill>
+                <a:schemeClr val="bg1">
+                  <a:lumMod val="95000"/>
+                </a:schemeClr>
+              </a:solidFill>
+            </p:spPr>
+            <p:style>
+              <a:lnRef idx="2">
+                <a:schemeClr val="accent1">
+                  <a:shade val="15000"/>
+                </a:schemeClr>
+              </a:lnRef>
+              <a:fillRef idx="1">
+                <a:schemeClr val="accent1"/>
+              </a:fillRef>
+              <a:effectRef idx="0">
+                <a:schemeClr val="accent1"/>
+              </a:effectRef>
+              <a:fontRef idx="minor">
+                <a:schemeClr val="lt1"/>
+              </a:fontRef>
+            </p:style>
+            <p:txBody>
+              <a:bodyPr rtlCol="0" anchor="ctr"/>
+              <a:lstStyle/>
+              <a:p>
+                <a:pPr algn="ctr"/>
+                <a:r>
+                  <a:rPr lang="fr-FR" sz="1100" dirty="0">
+                    <a:solidFill>
+                      <a:schemeClr val="tx1"/>
+                    </a:solidFill>
+                  </a:rPr>
+                  <a:t>BREEDERS A  COLONY</a:t>
+                </a:r>
+              </a:p>
+            </p:txBody>
+          </p:sp>
+          <p:sp>
+            <p:nvSpPr>
+              <p:cNvPr id="11" name="Ellipse 3">
+                <a:extLst>
+                  <a:ext uri="{FF2B5EF4-FFF2-40B4-BE49-F238E27FC236}">
+                    <a16:creationId xmlns:a16="http://schemas.microsoft.com/office/drawing/2014/main" id="{7CD07806-8C1A-E6C6-B2B6-F2E656F8AA62}"/>
+                  </a:ext>
+                </a:extLst>
+              </p:cNvPr>
+              <p:cNvSpPr/>
+              <p:nvPr/>
+            </p:nvSpPr>
+            <p:spPr>
+              <a:xfrm rot="20055987">
+                <a:off x="-18020" y="1304490"/>
+                <a:ext cx="1856375" cy="883717"/>
+              </a:xfrm>
+              <a:prstGeom prst="ellipse">
+                <a:avLst/>
+              </a:prstGeom>
+              <a:solidFill>
+                <a:schemeClr val="bg1">
+                  <a:lumMod val="95000"/>
+                </a:schemeClr>
+              </a:solidFill>
+              <a:ln w="63500">
+                <a:solidFill>
+                  <a:srgbClr val="00B050"/>
+                </a:solidFill>
+              </a:ln>
+            </p:spPr>
+            <p:style>
+              <a:lnRef idx="2">
+                <a:schemeClr val="accent1">
+                  <a:shade val="15000"/>
+                </a:schemeClr>
+              </a:lnRef>
+              <a:fillRef idx="1">
+                <a:schemeClr val="accent1"/>
+              </a:fillRef>
+              <a:effectRef idx="0">
+                <a:schemeClr val="accent1"/>
+              </a:effectRef>
+              <a:fontRef idx="minor">
+                <a:schemeClr val="lt1"/>
+              </a:fontRef>
+            </p:style>
+            <p:txBody>
+              <a:bodyPr rtlCol="0" anchor="ctr"/>
+              <a:lstStyle/>
+              <a:p>
+                <a:pPr algn="ctr"/>
+                <a:r>
+                  <a:rPr lang="fr-FR" sz="1200" dirty="0">
+                    <a:solidFill>
+                      <a:schemeClr val="tx1"/>
+                    </a:solidFill>
+                  </a:rPr>
+                  <a:t>NESTLING A</a:t>
+                </a:r>
+              </a:p>
+            </p:txBody>
+          </p:sp>
+          <p:sp>
+            <p:nvSpPr>
+              <p:cNvPr id="18" name="Ellipse 3">
+                <a:extLst>
+                  <a:ext uri="{FF2B5EF4-FFF2-40B4-BE49-F238E27FC236}">
+                    <a16:creationId xmlns:a16="http://schemas.microsoft.com/office/drawing/2014/main" id="{45F34C5B-E346-03FC-5E6D-481F41446097}"/>
+                  </a:ext>
+                </a:extLst>
+              </p:cNvPr>
+              <p:cNvSpPr/>
+              <p:nvPr/>
+            </p:nvSpPr>
+            <p:spPr>
+              <a:xfrm rot="20055987">
+                <a:off x="2762184" y="571457"/>
+                <a:ext cx="2183466" cy="1029689"/>
+              </a:xfrm>
+              <a:prstGeom prst="ellipse">
+                <a:avLst/>
+              </a:prstGeom>
+              <a:solidFill>
+                <a:schemeClr val="bg1">
+                  <a:lumMod val="95000"/>
+                </a:schemeClr>
+              </a:solidFill>
+            </p:spPr>
+            <p:style>
+              <a:lnRef idx="2">
+                <a:schemeClr val="accent1">
+                  <a:shade val="15000"/>
+                </a:schemeClr>
+              </a:lnRef>
+              <a:fillRef idx="1">
+                <a:schemeClr val="accent1"/>
+              </a:fillRef>
+              <a:effectRef idx="0">
+                <a:schemeClr val="accent1"/>
+              </a:effectRef>
+              <a:fontRef idx="minor">
+                <a:schemeClr val="lt1"/>
+              </a:fontRef>
+            </p:style>
+            <p:txBody>
+              <a:bodyPr rtlCol="0" anchor="ctr"/>
+              <a:lstStyle/>
+              <a:p>
+                <a:pPr algn="ctr"/>
+                <a:r>
+                  <a:rPr lang="fr-FR" sz="1050" dirty="0">
+                    <a:solidFill>
+                      <a:schemeClr val="tx1"/>
+                    </a:solidFill>
+                  </a:rPr>
+                  <a:t>NON-BREEDERS A</a:t>
+                </a:r>
+              </a:p>
+              <a:p>
+                <a:pPr algn="ctr"/>
+                <a:r>
+                  <a:rPr lang="fr-FR" sz="1050" dirty="0">
+                    <a:solidFill>
+                      <a:schemeClr val="tx1"/>
+                    </a:solidFill>
+                  </a:rPr>
+                  <a:t>COLONY</a:t>
+                </a:r>
+              </a:p>
+            </p:txBody>
+          </p:sp>
+        </p:grpSp>
+        <p:sp>
+          <p:nvSpPr>
+            <p:cNvPr id="29" name="Ellipse 3">
+              <a:extLst>
+                <a:ext uri="{FF2B5EF4-FFF2-40B4-BE49-F238E27FC236}">
+                  <a16:creationId xmlns:a16="http://schemas.microsoft.com/office/drawing/2014/main" id="{9B5767BE-5B4B-BAFC-0A74-9172D4AE29B5}"/>
+                </a:ext>
+              </a:extLst>
+            </p:cNvPr>
+            <p:cNvSpPr/>
+            <p:nvPr/>
+          </p:nvSpPr>
+          <p:spPr>
+            <a:xfrm rot="20137787">
+              <a:off x="1333207" y="3005269"/>
+              <a:ext cx="1856375" cy="1029689"/>
+            </a:xfrm>
+            <a:prstGeom prst="ellipse">
+              <a:avLst/>
+            </a:prstGeom>
+            <a:solidFill>
+              <a:schemeClr val="accent1">
+                <a:lumMod val="40000"/>
+                <a:lumOff val="60000"/>
+              </a:schemeClr>
+            </a:solidFill>
+          </p:spPr>
+          <p:style>
+            <a:lnRef idx="2">
+              <a:schemeClr val="accent1">
+                <a:shade val="15000"/>
+              </a:schemeClr>
+            </a:lnRef>
+            <a:fillRef idx="1">
+              <a:schemeClr val="accent1"/>
+            </a:fillRef>
+            <a:effectRef idx="0">
+              <a:schemeClr val="accent1"/>
+            </a:effectRef>
+            <a:fontRef idx="minor">
+              <a:schemeClr val="lt1"/>
+            </a:fontRef>
+          </p:style>
+          <p:txBody>
+            <a:bodyPr rtlCol="0" anchor="ctr"/>
+            <a:lstStyle/>
+            <a:p>
+              <a:pPr algn="ctr"/>
+              <a:r>
+                <a:rPr lang="fr-FR" sz="1100" dirty="0">
+                  <a:solidFill>
+                    <a:schemeClr val="tx1"/>
+                  </a:solidFill>
+                </a:rPr>
+                <a:t>BREEDERS A  SEA</a:t>
+              </a:r>
+            </a:p>
+          </p:txBody>
+        </p:sp>
+      </p:grpSp>
+      <p:sp>
+        <p:nvSpPr>
+          <p:cNvPr id="33" name="Ellipse 3">
+            <a:extLst>
+              <a:ext uri="{FF2B5EF4-FFF2-40B4-BE49-F238E27FC236}">
+                <a16:creationId xmlns:a16="http://schemas.microsoft.com/office/drawing/2014/main" id="{16502AD4-BB28-1C13-D0A2-3D756A684FF8}"/>
+              </a:ext>
+            </a:extLst>
+          </p:cNvPr>
+          <p:cNvSpPr/>
+          <p:nvPr/>
+        </p:nvSpPr>
+        <p:spPr>
+          <a:xfrm>
+            <a:off x="5013861" y="4123185"/>
+            <a:ext cx="2164278" cy="1989507"/>
+          </a:xfrm>
+          <a:prstGeom prst="ellipse">
+            <a:avLst/>
+          </a:prstGeom>
+          <a:solidFill>
+            <a:schemeClr val="accent1">
+              <a:lumMod val="40000"/>
+              <a:lumOff val="60000"/>
+            </a:schemeClr>
+          </a:solidFill>
+        </p:spPr>
+        <p:style>
+          <a:lnRef idx="2">
+            <a:schemeClr val="accent1">
+              <a:shade val="15000"/>
+            </a:schemeClr>
+          </a:lnRef>
+          <a:fillRef idx="1">
+            <a:schemeClr val="accent1"/>
+          </a:fillRef>
+          <a:effectRef idx="0">
+            <a:schemeClr val="accent1"/>
+          </a:effectRef>
+          <a:fontRef idx="minor">
+            <a:schemeClr val="lt1"/>
+          </a:fontRef>
+        </p:style>
+        <p:txBody>
+          <a:bodyPr rtlCol="0" anchor="ctr"/>
+          <a:lstStyle/>
+          <a:p>
+            <a:pPr algn="ctr"/>
+            <a:r>
+              <a:rPr lang="fr-FR" sz="1400" dirty="0">
+                <a:solidFill>
+                  <a:schemeClr val="tx1"/>
+                </a:solidFill>
+              </a:rPr>
+              <a:t>NON-BREEDERS</a:t>
+            </a:r>
+          </a:p>
+          <a:p>
+            <a:pPr algn="ctr"/>
+            <a:r>
+              <a:rPr lang="fr-FR" sz="1400" dirty="0">
+                <a:solidFill>
+                  <a:schemeClr val="tx1"/>
+                </a:solidFill>
+              </a:rPr>
+              <a:t>SEA</a:t>
+            </a:r>
+          </a:p>
+        </p:txBody>
+      </p:sp>
+      <p:grpSp>
+        <p:nvGrpSpPr>
+          <p:cNvPr id="35" name="Group 34">
+            <a:extLst>
+              <a:ext uri="{FF2B5EF4-FFF2-40B4-BE49-F238E27FC236}">
+                <a16:creationId xmlns:a16="http://schemas.microsoft.com/office/drawing/2014/main" id="{64C8FAC1-F3E0-67C1-E797-AF26B19DFB6C}"/>
+              </a:ext>
+            </a:extLst>
+          </p:cNvPr>
+          <p:cNvGrpSpPr/>
+          <p:nvPr/>
+        </p:nvGrpSpPr>
+        <p:grpSpPr>
+          <a:xfrm rot="1491166">
+            <a:off x="4079348" y="1275180"/>
+            <a:ext cx="3795628" cy="2255679"/>
+            <a:chOff x="-18020" y="571457"/>
+            <a:chExt cx="4963670" cy="3525540"/>
+          </a:xfrm>
+        </p:grpSpPr>
+        <p:grpSp>
+          <p:nvGrpSpPr>
+            <p:cNvPr id="36" name="Group 35">
+              <a:extLst>
+                <a:ext uri="{FF2B5EF4-FFF2-40B4-BE49-F238E27FC236}">
+                  <a16:creationId xmlns:a16="http://schemas.microsoft.com/office/drawing/2014/main" id="{73D2115E-B366-A697-03FE-40E838F7DE46}"/>
+                </a:ext>
+              </a:extLst>
+            </p:cNvPr>
+            <p:cNvGrpSpPr/>
+            <p:nvPr/>
+          </p:nvGrpSpPr>
+          <p:grpSpPr>
+            <a:xfrm>
+              <a:off x="-18020" y="571457"/>
+              <a:ext cx="4963670" cy="2217155"/>
+              <a:chOff x="-18020" y="571457"/>
+              <a:chExt cx="4963670" cy="2217155"/>
+            </a:xfrm>
+          </p:grpSpPr>
+          <p:sp>
+            <p:nvSpPr>
+              <p:cNvPr id="38" name="Ellipse 3">
+                <a:extLst>
+                  <a:ext uri="{FF2B5EF4-FFF2-40B4-BE49-F238E27FC236}">
+                    <a16:creationId xmlns:a16="http://schemas.microsoft.com/office/drawing/2014/main" id="{9604F8B5-A5EB-0038-8E79-028FA4E6E2EF}"/>
+                  </a:ext>
+                </a:extLst>
+              </p:cNvPr>
+              <p:cNvSpPr/>
+              <p:nvPr/>
+            </p:nvSpPr>
+            <p:spPr>
+              <a:xfrm rot="20055987">
+                <a:off x="575395" y="1758923"/>
+                <a:ext cx="2405966" cy="1029689"/>
+              </a:xfrm>
+              <a:prstGeom prst="ellipse">
+                <a:avLst/>
+              </a:prstGeom>
+              <a:solidFill>
+                <a:schemeClr val="bg1">
+                  <a:lumMod val="95000"/>
+                </a:schemeClr>
+              </a:solidFill>
+            </p:spPr>
+            <p:style>
+              <a:lnRef idx="2">
+                <a:schemeClr val="accent1">
+                  <a:shade val="15000"/>
+                </a:schemeClr>
+              </a:lnRef>
+              <a:fillRef idx="1">
+                <a:schemeClr val="accent1"/>
+              </a:fillRef>
+              <a:effectRef idx="0">
+                <a:schemeClr val="accent1"/>
+              </a:effectRef>
+              <a:fontRef idx="minor">
+                <a:schemeClr val="lt1"/>
+              </a:fontRef>
+            </p:style>
+            <p:txBody>
+              <a:bodyPr rtlCol="0" anchor="ctr"/>
+              <a:lstStyle/>
+              <a:p>
+                <a:pPr algn="ctr"/>
+                <a:r>
+                  <a:rPr lang="fr-FR" sz="1100" dirty="0">
+                    <a:solidFill>
+                      <a:schemeClr val="tx1"/>
+                    </a:solidFill>
+                  </a:rPr>
+                  <a:t>BREEDERS B  COLONY</a:t>
+                </a:r>
+              </a:p>
+            </p:txBody>
+          </p:sp>
+          <p:sp>
+            <p:nvSpPr>
+              <p:cNvPr id="39" name="Ellipse 3">
+                <a:extLst>
+                  <a:ext uri="{FF2B5EF4-FFF2-40B4-BE49-F238E27FC236}">
+                    <a16:creationId xmlns:a16="http://schemas.microsoft.com/office/drawing/2014/main" id="{E4C567DE-92B5-2807-E081-2DF2B3363D75}"/>
+                  </a:ext>
+                </a:extLst>
+              </p:cNvPr>
+              <p:cNvSpPr/>
+              <p:nvPr/>
+            </p:nvSpPr>
+            <p:spPr>
+              <a:xfrm rot="20055987">
+                <a:off x="-18020" y="1304490"/>
+                <a:ext cx="1856375" cy="883717"/>
+              </a:xfrm>
+              <a:prstGeom prst="ellipse">
+                <a:avLst/>
+              </a:prstGeom>
+              <a:solidFill>
+                <a:schemeClr val="bg1">
+                  <a:lumMod val="95000"/>
+                </a:schemeClr>
+              </a:solidFill>
+              <a:ln w="63500">
+                <a:solidFill>
+                  <a:srgbClr val="00B050"/>
+                </a:solidFill>
+              </a:ln>
+            </p:spPr>
+            <p:style>
+              <a:lnRef idx="2">
+                <a:schemeClr val="accent1">
+                  <a:shade val="15000"/>
+                </a:schemeClr>
+              </a:lnRef>
+              <a:fillRef idx="1">
+                <a:schemeClr val="accent1"/>
+              </a:fillRef>
+              <a:effectRef idx="0">
+                <a:schemeClr val="accent1"/>
+              </a:effectRef>
+              <a:fontRef idx="minor">
+                <a:schemeClr val="lt1"/>
+              </a:fontRef>
+            </p:style>
+            <p:txBody>
+              <a:bodyPr rtlCol="0" anchor="ctr"/>
+              <a:lstStyle/>
+              <a:p>
+                <a:pPr algn="ctr"/>
+                <a:r>
+                  <a:rPr lang="fr-FR" sz="1200" dirty="0">
+                    <a:solidFill>
+                      <a:schemeClr val="tx1"/>
+                    </a:solidFill>
+                  </a:rPr>
+                  <a:t>NESTLING B</a:t>
+                </a:r>
+              </a:p>
+            </p:txBody>
+          </p:sp>
+          <p:sp>
+            <p:nvSpPr>
+              <p:cNvPr id="40" name="Ellipse 3">
+                <a:extLst>
+                  <a:ext uri="{FF2B5EF4-FFF2-40B4-BE49-F238E27FC236}">
+                    <a16:creationId xmlns:a16="http://schemas.microsoft.com/office/drawing/2014/main" id="{4B7FA516-F301-85A9-807B-111A243E830A}"/>
+                  </a:ext>
+                </a:extLst>
+              </p:cNvPr>
+              <p:cNvSpPr/>
+              <p:nvPr/>
+            </p:nvSpPr>
+            <p:spPr>
+              <a:xfrm rot="20055987">
+                <a:off x="2762184" y="571457"/>
+                <a:ext cx="2183466" cy="1029689"/>
+              </a:xfrm>
+              <a:prstGeom prst="ellipse">
+                <a:avLst/>
+              </a:prstGeom>
+              <a:solidFill>
+                <a:schemeClr val="bg1">
+                  <a:lumMod val="95000"/>
+                </a:schemeClr>
+              </a:solidFill>
+            </p:spPr>
+            <p:style>
+              <a:lnRef idx="2">
+                <a:schemeClr val="accent1">
+                  <a:shade val="15000"/>
+                </a:schemeClr>
+              </a:lnRef>
+              <a:fillRef idx="1">
+                <a:schemeClr val="accent1"/>
+              </a:fillRef>
+              <a:effectRef idx="0">
+                <a:schemeClr val="accent1"/>
+              </a:effectRef>
+              <a:fontRef idx="minor">
+                <a:schemeClr val="lt1"/>
+              </a:fontRef>
+            </p:style>
+            <p:txBody>
+              <a:bodyPr rtlCol="0" anchor="ctr"/>
+              <a:lstStyle/>
+              <a:p>
+                <a:pPr algn="ctr"/>
+                <a:r>
+                  <a:rPr lang="fr-FR" sz="1050" dirty="0">
+                    <a:solidFill>
+                      <a:schemeClr val="tx1"/>
+                    </a:solidFill>
+                  </a:rPr>
+                  <a:t>NON-BREEDERS B</a:t>
+                </a:r>
+              </a:p>
+              <a:p>
+                <a:pPr algn="ctr"/>
+                <a:r>
+                  <a:rPr lang="fr-FR" sz="1050" dirty="0">
+                    <a:solidFill>
+                      <a:schemeClr val="tx1"/>
+                    </a:solidFill>
+                  </a:rPr>
+                  <a:t>COLONY</a:t>
+                </a:r>
+              </a:p>
+            </p:txBody>
+          </p:sp>
+        </p:grpSp>
+        <p:sp>
+          <p:nvSpPr>
+            <p:cNvPr id="37" name="Ellipse 3">
+              <a:extLst>
+                <a:ext uri="{FF2B5EF4-FFF2-40B4-BE49-F238E27FC236}">
+                  <a16:creationId xmlns:a16="http://schemas.microsoft.com/office/drawing/2014/main" id="{4C85841C-BB34-F988-9E86-91BA22BAF7E0}"/>
+                </a:ext>
+              </a:extLst>
+            </p:cNvPr>
+            <p:cNvSpPr/>
+            <p:nvPr/>
+          </p:nvSpPr>
+          <p:spPr>
+            <a:xfrm rot="20137787">
+              <a:off x="1357250" y="3067308"/>
+              <a:ext cx="1856375" cy="1029689"/>
+            </a:xfrm>
+            <a:prstGeom prst="ellipse">
+              <a:avLst/>
+            </a:prstGeom>
+            <a:solidFill>
+              <a:schemeClr val="accent1">
+                <a:lumMod val="40000"/>
+                <a:lumOff val="60000"/>
+              </a:schemeClr>
+            </a:solidFill>
+          </p:spPr>
+          <p:style>
+            <a:lnRef idx="2">
+              <a:schemeClr val="accent1">
+                <a:shade val="15000"/>
+              </a:schemeClr>
+            </a:lnRef>
+            <a:fillRef idx="1">
+              <a:schemeClr val="accent1"/>
+            </a:fillRef>
+            <a:effectRef idx="0">
+              <a:schemeClr val="accent1"/>
+            </a:effectRef>
+            <a:fontRef idx="minor">
+              <a:schemeClr val="lt1"/>
+            </a:fontRef>
+          </p:style>
+          <p:txBody>
+            <a:bodyPr rtlCol="0" anchor="ctr"/>
+            <a:lstStyle/>
+            <a:p>
+              <a:pPr algn="ctr"/>
+              <a:r>
+                <a:rPr lang="fr-FR" sz="1100" dirty="0">
+                  <a:solidFill>
+                    <a:schemeClr val="tx1"/>
+                  </a:solidFill>
+                </a:rPr>
+                <a:t>BREEDERS B  SEA</a:t>
+              </a:r>
+            </a:p>
+          </p:txBody>
+        </p:sp>
+      </p:grpSp>
+      <p:grpSp>
+        <p:nvGrpSpPr>
+          <p:cNvPr id="41" name="Group 40">
+            <a:extLst>
+              <a:ext uri="{FF2B5EF4-FFF2-40B4-BE49-F238E27FC236}">
+                <a16:creationId xmlns:a16="http://schemas.microsoft.com/office/drawing/2014/main" id="{1D2C4A6E-9C12-1893-1618-D2E844B83634}"/>
+              </a:ext>
+            </a:extLst>
+          </p:cNvPr>
+          <p:cNvGrpSpPr/>
+          <p:nvPr/>
+        </p:nvGrpSpPr>
+        <p:grpSpPr>
+          <a:xfrm rot="1491166">
+            <a:off x="8078766" y="1269691"/>
+            <a:ext cx="3795628" cy="2212582"/>
+            <a:chOff x="-18020" y="571457"/>
+            <a:chExt cx="4963670" cy="3458182"/>
+          </a:xfrm>
+        </p:grpSpPr>
+        <p:grpSp>
+          <p:nvGrpSpPr>
+            <p:cNvPr id="42" name="Group 41">
+              <a:extLst>
+                <a:ext uri="{FF2B5EF4-FFF2-40B4-BE49-F238E27FC236}">
+                  <a16:creationId xmlns:a16="http://schemas.microsoft.com/office/drawing/2014/main" id="{368C10A7-D945-71A0-DF83-5BB28C53129E}"/>
+                </a:ext>
+              </a:extLst>
+            </p:cNvPr>
+            <p:cNvGrpSpPr/>
+            <p:nvPr/>
+          </p:nvGrpSpPr>
+          <p:grpSpPr>
+            <a:xfrm>
+              <a:off x="-18020" y="571457"/>
+              <a:ext cx="4963670" cy="2217155"/>
+              <a:chOff x="-18020" y="571457"/>
+              <a:chExt cx="4963670" cy="2217155"/>
+            </a:xfrm>
+          </p:grpSpPr>
+          <p:sp>
+            <p:nvSpPr>
+              <p:cNvPr id="44" name="Ellipse 3">
+                <a:extLst>
+                  <a:ext uri="{FF2B5EF4-FFF2-40B4-BE49-F238E27FC236}">
+                    <a16:creationId xmlns:a16="http://schemas.microsoft.com/office/drawing/2014/main" id="{95D40E05-6EE5-E9F9-C134-7080107F569A}"/>
+                  </a:ext>
+                </a:extLst>
+              </p:cNvPr>
+              <p:cNvSpPr/>
+              <p:nvPr/>
+            </p:nvSpPr>
+            <p:spPr>
+              <a:xfrm rot="20055987">
+                <a:off x="575395" y="1758923"/>
+                <a:ext cx="2405966" cy="1029689"/>
+              </a:xfrm>
+              <a:prstGeom prst="ellipse">
+                <a:avLst/>
+              </a:prstGeom>
+              <a:solidFill>
+                <a:schemeClr val="bg1">
+                  <a:lumMod val="95000"/>
+                </a:schemeClr>
+              </a:solidFill>
+            </p:spPr>
+            <p:style>
+              <a:lnRef idx="2">
+                <a:schemeClr val="accent1">
+                  <a:shade val="15000"/>
+                </a:schemeClr>
+              </a:lnRef>
+              <a:fillRef idx="1">
+                <a:schemeClr val="accent1"/>
+              </a:fillRef>
+              <a:effectRef idx="0">
+                <a:schemeClr val="accent1"/>
+              </a:effectRef>
+              <a:fontRef idx="minor">
+                <a:schemeClr val="lt1"/>
+              </a:fontRef>
+            </p:style>
+            <p:txBody>
+              <a:bodyPr rtlCol="0" anchor="ctr"/>
+              <a:lstStyle/>
+              <a:p>
+                <a:pPr algn="ctr"/>
+                <a:r>
+                  <a:rPr lang="fr-FR" sz="1100" dirty="0">
+                    <a:solidFill>
+                      <a:schemeClr val="tx1"/>
+                    </a:solidFill>
+                  </a:rPr>
+                  <a:t>BREEDERS C  COLONY</a:t>
+                </a:r>
+              </a:p>
+            </p:txBody>
+          </p:sp>
+          <p:sp>
+            <p:nvSpPr>
+              <p:cNvPr id="45" name="Ellipse 3">
+                <a:extLst>
+                  <a:ext uri="{FF2B5EF4-FFF2-40B4-BE49-F238E27FC236}">
+                    <a16:creationId xmlns:a16="http://schemas.microsoft.com/office/drawing/2014/main" id="{87777FB0-6E22-E3B6-633A-2595E0D436DC}"/>
+                  </a:ext>
+                </a:extLst>
+              </p:cNvPr>
+              <p:cNvSpPr/>
+              <p:nvPr/>
+            </p:nvSpPr>
+            <p:spPr>
+              <a:xfrm rot="20055987">
+                <a:off x="-18020" y="1304490"/>
+                <a:ext cx="1856375" cy="883717"/>
+              </a:xfrm>
+              <a:prstGeom prst="ellipse">
+                <a:avLst/>
+              </a:prstGeom>
+              <a:solidFill>
+                <a:schemeClr val="bg1">
+                  <a:lumMod val="95000"/>
+                </a:schemeClr>
+              </a:solidFill>
+              <a:ln w="63500">
+                <a:solidFill>
+                  <a:srgbClr val="00B050"/>
+                </a:solidFill>
+              </a:ln>
+            </p:spPr>
+            <p:style>
+              <a:lnRef idx="2">
+                <a:schemeClr val="accent1">
+                  <a:shade val="15000"/>
+                </a:schemeClr>
+              </a:lnRef>
+              <a:fillRef idx="1">
+                <a:schemeClr val="accent1"/>
+              </a:fillRef>
+              <a:effectRef idx="0">
+                <a:schemeClr val="accent1"/>
+              </a:effectRef>
+              <a:fontRef idx="minor">
+                <a:schemeClr val="lt1"/>
+              </a:fontRef>
+            </p:style>
+            <p:txBody>
+              <a:bodyPr rtlCol="0" anchor="ctr"/>
+              <a:lstStyle/>
+              <a:p>
+                <a:pPr algn="ctr"/>
+                <a:r>
+                  <a:rPr lang="fr-FR" sz="1200" dirty="0">
+                    <a:solidFill>
+                      <a:schemeClr val="tx1"/>
+                    </a:solidFill>
+                  </a:rPr>
+                  <a:t>NESTLING C</a:t>
+                </a:r>
+              </a:p>
+            </p:txBody>
+          </p:sp>
+          <p:sp>
+            <p:nvSpPr>
+              <p:cNvPr id="46" name="Ellipse 3">
+                <a:extLst>
+                  <a:ext uri="{FF2B5EF4-FFF2-40B4-BE49-F238E27FC236}">
+                    <a16:creationId xmlns:a16="http://schemas.microsoft.com/office/drawing/2014/main" id="{A56BDDFC-37FE-F924-2E11-2D58F4357880}"/>
+                  </a:ext>
+                </a:extLst>
+              </p:cNvPr>
+              <p:cNvSpPr/>
+              <p:nvPr/>
+            </p:nvSpPr>
+            <p:spPr>
+              <a:xfrm rot="20055987">
+                <a:off x="2762184" y="571457"/>
+                <a:ext cx="2183466" cy="1029689"/>
+              </a:xfrm>
+              <a:prstGeom prst="ellipse">
+                <a:avLst/>
+              </a:prstGeom>
+              <a:solidFill>
+                <a:schemeClr val="bg1">
+                  <a:lumMod val="95000"/>
+                </a:schemeClr>
+              </a:solidFill>
+            </p:spPr>
+            <p:style>
+              <a:lnRef idx="2">
+                <a:schemeClr val="accent1">
+                  <a:shade val="15000"/>
+                </a:schemeClr>
+              </a:lnRef>
+              <a:fillRef idx="1">
+                <a:schemeClr val="accent1"/>
+              </a:fillRef>
+              <a:effectRef idx="0">
+                <a:schemeClr val="accent1"/>
+              </a:effectRef>
+              <a:fontRef idx="minor">
+                <a:schemeClr val="lt1"/>
+              </a:fontRef>
+            </p:style>
+            <p:txBody>
+              <a:bodyPr rtlCol="0" anchor="ctr"/>
+              <a:lstStyle/>
+              <a:p>
+                <a:pPr algn="ctr"/>
+                <a:r>
+                  <a:rPr lang="fr-FR" sz="1050" dirty="0">
+                    <a:solidFill>
+                      <a:schemeClr val="tx1"/>
+                    </a:solidFill>
+                  </a:rPr>
+                  <a:t>NON-BREEDERS C</a:t>
+                </a:r>
+              </a:p>
+              <a:p>
+                <a:pPr algn="ctr"/>
+                <a:r>
+                  <a:rPr lang="fr-FR" sz="1050" dirty="0">
+                    <a:solidFill>
+                      <a:schemeClr val="tx1"/>
+                    </a:solidFill>
+                  </a:rPr>
+                  <a:t>COLONY</a:t>
+                </a:r>
+              </a:p>
+            </p:txBody>
+          </p:sp>
+        </p:grpSp>
+        <p:sp>
+          <p:nvSpPr>
+            <p:cNvPr id="43" name="Ellipse 3">
+              <a:extLst>
+                <a:ext uri="{FF2B5EF4-FFF2-40B4-BE49-F238E27FC236}">
+                  <a16:creationId xmlns:a16="http://schemas.microsoft.com/office/drawing/2014/main" id="{7587C4B1-A706-7829-E64C-0094B4820E53}"/>
+                </a:ext>
+              </a:extLst>
+            </p:cNvPr>
+            <p:cNvSpPr/>
+            <p:nvPr/>
+          </p:nvSpPr>
+          <p:spPr>
+            <a:xfrm rot="20137787">
+              <a:off x="1331147" y="2999950"/>
+              <a:ext cx="1856375" cy="1029689"/>
+            </a:xfrm>
+            <a:prstGeom prst="ellipse">
+              <a:avLst/>
+            </a:prstGeom>
+            <a:solidFill>
+              <a:schemeClr val="accent1">
+                <a:lumMod val="40000"/>
+                <a:lumOff val="60000"/>
+              </a:schemeClr>
+            </a:solidFill>
+          </p:spPr>
+          <p:style>
+            <a:lnRef idx="2">
+              <a:schemeClr val="accent1">
+                <a:shade val="15000"/>
+              </a:schemeClr>
+            </a:lnRef>
+            <a:fillRef idx="1">
+              <a:schemeClr val="accent1"/>
+            </a:fillRef>
+            <a:effectRef idx="0">
+              <a:schemeClr val="accent1"/>
+            </a:effectRef>
+            <a:fontRef idx="minor">
+              <a:schemeClr val="lt1"/>
+            </a:fontRef>
+          </p:style>
+          <p:txBody>
+            <a:bodyPr rtlCol="0" anchor="ctr"/>
+            <a:lstStyle/>
+            <a:p>
+              <a:pPr algn="ctr"/>
+              <a:r>
+                <a:rPr lang="fr-FR" sz="1100" dirty="0">
+                  <a:solidFill>
+                    <a:schemeClr val="tx1"/>
+                  </a:solidFill>
+                </a:rPr>
+                <a:t>BREEDERS C  SEA</a:t>
+              </a:r>
+            </a:p>
+          </p:txBody>
+        </p:sp>
+      </p:grpSp>
+      <p:cxnSp>
+        <p:nvCxnSpPr>
+          <p:cNvPr id="55" name="Connector: Elbow 54">
+            <a:extLst>
+              <a:ext uri="{FF2B5EF4-FFF2-40B4-BE49-F238E27FC236}">
+                <a16:creationId xmlns:a16="http://schemas.microsoft.com/office/drawing/2014/main" id="{2CC825BA-2800-BAD0-830F-DC1E90211EE8}"/>
+              </a:ext>
+            </a:extLst>
+          </p:cNvPr>
+          <p:cNvCxnSpPr>
+            <a:cxnSpLocks/>
+            <a:stCxn id="18" idx="4"/>
+            <a:endCxn id="33" idx="2"/>
+          </p:cNvCxnSpPr>
+          <p:nvPr/>
+        </p:nvCxnSpPr>
+        <p:spPr>
+          <a:xfrm rot="16200000" flipH="1">
+            <a:off x="2780540" y="2884617"/>
+            <a:ext cx="2670775" cy="1795867"/>
+          </a:xfrm>
+          <a:prstGeom prst="bentConnector2">
+            <a:avLst/>
+          </a:prstGeom>
+          <a:ln>
+            <a:solidFill>
+              <a:schemeClr val="tx1"/>
+            </a:solidFill>
+            <a:headEnd type="triangle"/>
+            <a:tailEnd type="triangle"/>
+          </a:ln>
+        </p:spPr>
+        <p:style>
+          <a:lnRef idx="1">
+            <a:schemeClr val="accent1"/>
+          </a:lnRef>
+          <a:fillRef idx="0">
+            <a:schemeClr val="accent1"/>
+          </a:fillRef>
+          <a:effectRef idx="0">
+            <a:schemeClr val="accent1"/>
+          </a:effectRef>
+          <a:fontRef idx="minor">
+            <a:schemeClr val="tx1"/>
+          </a:fontRef>
+        </p:style>
+      </p:cxnSp>
+      <p:cxnSp>
+        <p:nvCxnSpPr>
+          <p:cNvPr id="58" name="Connector: Elbow 57">
+            <a:extLst>
+              <a:ext uri="{FF2B5EF4-FFF2-40B4-BE49-F238E27FC236}">
+                <a16:creationId xmlns:a16="http://schemas.microsoft.com/office/drawing/2014/main" id="{9D1FC3A3-63E2-B753-B31B-4DC8614BA435}"/>
+              </a:ext>
+            </a:extLst>
+          </p:cNvPr>
+          <p:cNvCxnSpPr>
+            <a:cxnSpLocks/>
+            <a:endCxn id="33" idx="6"/>
+          </p:cNvCxnSpPr>
+          <p:nvPr/>
+        </p:nvCxnSpPr>
+        <p:spPr>
+          <a:xfrm rot="10800000" flipV="1">
+            <a:off x="7178139" y="2447159"/>
+            <a:ext cx="4089500" cy="2670779"/>
+          </a:xfrm>
+          <a:prstGeom prst="bentConnector3">
+            <a:avLst>
+              <a:gd name="adj1" fmla="val 1035"/>
+            </a:avLst>
+          </a:prstGeom>
+          <a:ln>
+            <a:solidFill>
+              <a:schemeClr val="tx1"/>
+            </a:solidFill>
+            <a:headEnd type="triangle"/>
+            <a:tailEnd type="triangle"/>
+          </a:ln>
+        </p:spPr>
+        <p:style>
+          <a:lnRef idx="1">
+            <a:schemeClr val="accent1"/>
+          </a:lnRef>
+          <a:fillRef idx="0">
+            <a:schemeClr val="accent1"/>
+          </a:fillRef>
+          <a:effectRef idx="0">
+            <a:schemeClr val="accent1"/>
+          </a:effectRef>
+          <a:fontRef idx="minor">
+            <a:schemeClr val="tx1"/>
+          </a:fontRef>
+        </p:style>
+      </p:cxnSp>
+      <p:cxnSp>
+        <p:nvCxnSpPr>
+          <p:cNvPr id="63" name="Connector: Elbow 62">
+            <a:extLst>
+              <a:ext uri="{FF2B5EF4-FFF2-40B4-BE49-F238E27FC236}">
+                <a16:creationId xmlns:a16="http://schemas.microsoft.com/office/drawing/2014/main" id="{ABEA6743-7D7A-54C2-A9B9-05A237A0F163}"/>
+              </a:ext>
+            </a:extLst>
+          </p:cNvPr>
+          <p:cNvCxnSpPr>
+            <a:cxnSpLocks/>
+            <a:endCxn id="33" idx="0"/>
+          </p:cNvCxnSpPr>
+          <p:nvPr/>
+        </p:nvCxnSpPr>
+        <p:spPr>
+          <a:xfrm rot="5400000">
+            <a:off x="5840063" y="2703097"/>
+            <a:ext cx="1676025" cy="1164150"/>
+          </a:xfrm>
+          <a:prstGeom prst="bentConnector3">
+            <a:avLst>
+              <a:gd name="adj1" fmla="val 71706"/>
+            </a:avLst>
+          </a:prstGeom>
+          <a:ln>
+            <a:solidFill>
+              <a:schemeClr val="tx1"/>
+            </a:solidFill>
+            <a:headEnd type="triangle"/>
+            <a:tailEnd type="triangle"/>
+          </a:ln>
+        </p:spPr>
+        <p:style>
+          <a:lnRef idx="1">
+            <a:schemeClr val="accent1"/>
+          </a:lnRef>
+          <a:fillRef idx="0">
+            <a:schemeClr val="accent1"/>
+          </a:fillRef>
+          <a:effectRef idx="0">
+            <a:schemeClr val="accent1"/>
+          </a:effectRef>
+          <a:fontRef idx="minor">
+            <a:schemeClr val="tx1"/>
+          </a:fontRef>
+        </p:style>
+      </p:cxnSp>
+      <p:cxnSp>
+        <p:nvCxnSpPr>
+          <p:cNvPr id="198" name="Connector: Elbow 197">
+            <a:extLst>
+              <a:ext uri="{FF2B5EF4-FFF2-40B4-BE49-F238E27FC236}">
+                <a16:creationId xmlns:a16="http://schemas.microsoft.com/office/drawing/2014/main" id="{01AC9975-0E0B-3ABA-1067-B91D88FCDD83}"/>
+              </a:ext>
+            </a:extLst>
+          </p:cNvPr>
+          <p:cNvCxnSpPr>
+            <a:cxnSpLocks/>
+          </p:cNvCxnSpPr>
+          <p:nvPr/>
+        </p:nvCxnSpPr>
+        <p:spPr>
+          <a:xfrm rot="16200000" flipH="1">
+            <a:off x="1293240" y="2496197"/>
+            <a:ext cx="274818" cy="174843"/>
+          </a:xfrm>
+          <a:prstGeom prst="bentConnector3">
+            <a:avLst>
+              <a:gd name="adj1" fmla="val 50000"/>
+            </a:avLst>
+          </a:prstGeom>
+          <a:ln>
+            <a:solidFill>
+              <a:schemeClr val="tx1"/>
+            </a:solidFill>
+            <a:headEnd type="triangle"/>
+            <a:tailEnd type="triangle"/>
+          </a:ln>
+        </p:spPr>
+        <p:style>
+          <a:lnRef idx="1">
+            <a:schemeClr val="accent1"/>
+          </a:lnRef>
+          <a:fillRef idx="0">
+            <a:schemeClr val="accent1"/>
+          </a:fillRef>
+          <a:effectRef idx="0">
+            <a:schemeClr val="accent1"/>
+          </a:effectRef>
+          <a:fontRef idx="minor">
+            <a:schemeClr val="tx1"/>
+          </a:fontRef>
+        </p:style>
+      </p:cxnSp>
+      <p:cxnSp>
+        <p:nvCxnSpPr>
+          <p:cNvPr id="200" name="Connector: Elbow 199">
+            <a:extLst>
+              <a:ext uri="{FF2B5EF4-FFF2-40B4-BE49-F238E27FC236}">
+                <a16:creationId xmlns:a16="http://schemas.microsoft.com/office/drawing/2014/main" id="{D33685BF-867F-7829-E844-2ADFC8E91693}"/>
+              </a:ext>
+            </a:extLst>
+          </p:cNvPr>
+          <p:cNvCxnSpPr>
+            <a:cxnSpLocks/>
+          </p:cNvCxnSpPr>
+          <p:nvPr/>
+        </p:nvCxnSpPr>
+        <p:spPr>
+          <a:xfrm rot="16200000" flipH="1">
+            <a:off x="5358222" y="2525554"/>
+            <a:ext cx="274818" cy="174843"/>
+          </a:xfrm>
+          <a:prstGeom prst="bentConnector3">
+            <a:avLst>
+              <a:gd name="adj1" fmla="val 50000"/>
+            </a:avLst>
+          </a:prstGeom>
+          <a:ln>
+            <a:solidFill>
+              <a:schemeClr val="tx1"/>
+            </a:solidFill>
+            <a:headEnd type="triangle"/>
+            <a:tailEnd type="triangle"/>
+          </a:ln>
+        </p:spPr>
+        <p:style>
+          <a:lnRef idx="1">
+            <a:schemeClr val="accent1"/>
+          </a:lnRef>
+          <a:fillRef idx="0">
+            <a:schemeClr val="accent1"/>
+          </a:fillRef>
+          <a:effectRef idx="0">
+            <a:schemeClr val="accent1"/>
+          </a:effectRef>
+          <a:fontRef idx="minor">
+            <a:schemeClr val="tx1"/>
+          </a:fontRef>
+        </p:style>
+      </p:cxnSp>
+      <p:cxnSp>
+        <p:nvCxnSpPr>
+          <p:cNvPr id="201" name="Connector: Elbow 200">
+            <a:extLst>
+              <a:ext uri="{FF2B5EF4-FFF2-40B4-BE49-F238E27FC236}">
+                <a16:creationId xmlns:a16="http://schemas.microsoft.com/office/drawing/2014/main" id="{801BA3EA-ED13-EA89-A5CB-A864491B02FE}"/>
+              </a:ext>
+            </a:extLst>
+          </p:cNvPr>
+          <p:cNvCxnSpPr>
+            <a:cxnSpLocks/>
+          </p:cNvCxnSpPr>
+          <p:nvPr/>
+        </p:nvCxnSpPr>
+        <p:spPr>
+          <a:xfrm rot="16200000" flipH="1">
+            <a:off x="9366892" y="2490500"/>
+            <a:ext cx="274818" cy="174843"/>
+          </a:xfrm>
+          <a:prstGeom prst="bentConnector3">
+            <a:avLst>
+              <a:gd name="adj1" fmla="val 50000"/>
+            </a:avLst>
+          </a:prstGeom>
+          <a:ln>
+            <a:solidFill>
+              <a:schemeClr val="tx1"/>
+            </a:solidFill>
+            <a:headEnd type="triangle"/>
+            <a:tailEnd type="triangle"/>
+          </a:ln>
+        </p:spPr>
+        <p:style>
+          <a:lnRef idx="1">
+            <a:schemeClr val="accent1"/>
+          </a:lnRef>
+          <a:fillRef idx="0">
+            <a:schemeClr val="accent1"/>
+          </a:fillRef>
+          <a:effectRef idx="0">
+            <a:schemeClr val="accent1"/>
+          </a:effectRef>
+          <a:fontRef idx="minor">
+            <a:schemeClr val="tx1"/>
+          </a:fontRef>
+        </p:style>
+      </p:cxnSp>
+      <p:cxnSp>
+        <p:nvCxnSpPr>
+          <p:cNvPr id="202" name="Connector: Elbow 201">
+            <a:extLst>
+              <a:ext uri="{FF2B5EF4-FFF2-40B4-BE49-F238E27FC236}">
+                <a16:creationId xmlns:a16="http://schemas.microsoft.com/office/drawing/2014/main" id="{19E5C721-3650-E300-7B01-58712726AD91}"/>
+              </a:ext>
+            </a:extLst>
+          </p:cNvPr>
+          <p:cNvCxnSpPr>
+            <a:cxnSpLocks/>
+            <a:stCxn id="930" idx="7"/>
+            <a:endCxn id="18" idx="0"/>
+          </p:cNvCxnSpPr>
+          <p:nvPr/>
+        </p:nvCxnSpPr>
+        <p:spPr>
+          <a:xfrm rot="5400000" flipH="1" flipV="1">
+            <a:off x="2599666" y="1289050"/>
+            <a:ext cx="108813" cy="1107587"/>
+          </a:xfrm>
+          <a:prstGeom prst="bentConnector3">
+            <a:avLst>
+              <a:gd name="adj1" fmla="val 310121"/>
+            </a:avLst>
+          </a:prstGeom>
+          <a:ln>
+            <a:solidFill>
+              <a:schemeClr val="tx1"/>
+            </a:solidFill>
+            <a:headEnd type="none"/>
+            <a:tailEnd type="triangle"/>
+          </a:ln>
+        </p:spPr>
+        <p:style>
+          <a:lnRef idx="1">
+            <a:schemeClr val="accent1"/>
+          </a:lnRef>
+          <a:fillRef idx="0">
+            <a:schemeClr val="accent1"/>
+          </a:fillRef>
+          <a:effectRef idx="0">
+            <a:schemeClr val="accent1"/>
+          </a:effectRef>
+          <a:fontRef idx="minor">
+            <a:schemeClr val="tx1"/>
+          </a:fontRef>
+        </p:style>
+      </p:cxnSp>
+      <p:cxnSp>
+        <p:nvCxnSpPr>
+          <p:cNvPr id="205" name="Connector: Elbow 204">
+            <a:extLst>
+              <a:ext uri="{FF2B5EF4-FFF2-40B4-BE49-F238E27FC236}">
+                <a16:creationId xmlns:a16="http://schemas.microsoft.com/office/drawing/2014/main" id="{5C7474BF-3699-CB23-A010-6DEA1BD90D01}"/>
+              </a:ext>
+            </a:extLst>
+          </p:cNvPr>
+          <p:cNvCxnSpPr>
+            <a:cxnSpLocks/>
+          </p:cNvCxnSpPr>
+          <p:nvPr/>
+        </p:nvCxnSpPr>
+        <p:spPr>
+          <a:xfrm rot="5400000" flipH="1" flipV="1">
+            <a:off x="6671672" y="1276215"/>
+            <a:ext cx="108813" cy="1107587"/>
+          </a:xfrm>
+          <a:prstGeom prst="bentConnector3">
+            <a:avLst>
+              <a:gd name="adj1" fmla="val 310121"/>
+            </a:avLst>
+          </a:prstGeom>
+          <a:ln>
+            <a:solidFill>
+              <a:schemeClr val="tx1"/>
+            </a:solidFill>
+            <a:headEnd type="none"/>
+            <a:tailEnd type="triangle"/>
+          </a:ln>
+        </p:spPr>
+        <p:style>
+          <a:lnRef idx="1">
+            <a:schemeClr val="accent1"/>
+          </a:lnRef>
+          <a:fillRef idx="0">
+            <a:schemeClr val="accent1"/>
+          </a:fillRef>
+          <a:effectRef idx="0">
+            <a:schemeClr val="accent1"/>
+          </a:effectRef>
+          <a:fontRef idx="minor">
+            <a:schemeClr val="tx1"/>
+          </a:fontRef>
+        </p:style>
+      </p:cxnSp>
+      <p:cxnSp>
+        <p:nvCxnSpPr>
+          <p:cNvPr id="206" name="Connector: Elbow 205">
+            <a:extLst>
+              <a:ext uri="{FF2B5EF4-FFF2-40B4-BE49-F238E27FC236}">
+                <a16:creationId xmlns:a16="http://schemas.microsoft.com/office/drawing/2014/main" id="{C1A208FB-6375-9FED-9C72-E60C98D78584}"/>
+              </a:ext>
+            </a:extLst>
+          </p:cNvPr>
+          <p:cNvCxnSpPr>
+            <a:cxnSpLocks/>
+          </p:cNvCxnSpPr>
+          <p:nvPr/>
+        </p:nvCxnSpPr>
+        <p:spPr>
+          <a:xfrm rot="5400000" flipH="1" flipV="1">
+            <a:off x="10659439" y="1304736"/>
+            <a:ext cx="108813" cy="1107587"/>
+          </a:xfrm>
+          <a:prstGeom prst="bentConnector3">
+            <a:avLst>
+              <a:gd name="adj1" fmla="val 310121"/>
+            </a:avLst>
+          </a:prstGeom>
+          <a:ln>
+            <a:solidFill>
+              <a:schemeClr val="tx1"/>
+            </a:solidFill>
+            <a:headEnd type="none"/>
+            <a:tailEnd type="triangle"/>
+          </a:ln>
+        </p:spPr>
+        <p:style>
+          <a:lnRef idx="1">
+            <a:schemeClr val="accent1"/>
+          </a:lnRef>
+          <a:fillRef idx="0">
+            <a:schemeClr val="accent1"/>
+          </a:fillRef>
+          <a:effectRef idx="0">
+            <a:schemeClr val="accent1"/>
+          </a:effectRef>
+          <a:fontRef idx="minor">
+            <a:schemeClr val="tx1"/>
+          </a:fontRef>
+        </p:style>
+      </p:cxnSp>
+      <p:sp>
+        <p:nvSpPr>
+          <p:cNvPr id="211" name="Rectangle 210">
+            <a:extLst>
+              <a:ext uri="{FF2B5EF4-FFF2-40B4-BE49-F238E27FC236}">
+                <a16:creationId xmlns:a16="http://schemas.microsoft.com/office/drawing/2014/main" id="{760B6DBF-ED76-DB2F-1848-4CEEBC067EFC}"/>
+              </a:ext>
+            </a:extLst>
+          </p:cNvPr>
+          <p:cNvSpPr/>
+          <p:nvPr/>
+        </p:nvSpPr>
+        <p:spPr>
+          <a:xfrm>
+            <a:off x="218440" y="1143000"/>
+            <a:ext cx="3908272" cy="1440180"/>
+          </a:xfrm>
+          <a:prstGeom prst="rect">
+            <a:avLst/>
+          </a:prstGeom>
+          <a:noFill/>
+          <a:ln w="22225">
+            <a:prstDash val="sysDot"/>
+          </a:ln>
+        </p:spPr>
+        <p:style>
+          <a:lnRef idx="2">
+            <a:schemeClr val="accent1">
+              <a:shade val="15000"/>
+            </a:schemeClr>
+          </a:lnRef>
+          <a:fillRef idx="1">
+            <a:schemeClr val="accent1"/>
+          </a:fillRef>
+          <a:effectRef idx="0">
+            <a:schemeClr val="accent1"/>
+          </a:effectRef>
+          <a:fontRef idx="minor">
+            <a:schemeClr val="lt1"/>
+          </a:fontRef>
+        </p:style>
+        <p:txBody>
+          <a:bodyPr rtlCol="0" anchor="ctr"/>
+          <a:lstStyle/>
+          <a:p>
+            <a:pPr algn="ctr"/>
+            <a:endParaRPr lang="en-US"/>
+          </a:p>
+        </p:txBody>
+      </p:sp>
+      <p:sp>
+        <p:nvSpPr>
+          <p:cNvPr id="212" name="Rectangle 211">
+            <a:extLst>
+              <a:ext uri="{FF2B5EF4-FFF2-40B4-BE49-F238E27FC236}">
+                <a16:creationId xmlns:a16="http://schemas.microsoft.com/office/drawing/2014/main" id="{C1D0A1F2-347D-18F0-3933-122C90A4C559}"/>
+              </a:ext>
+            </a:extLst>
+          </p:cNvPr>
+          <p:cNvSpPr/>
+          <p:nvPr/>
+        </p:nvSpPr>
+        <p:spPr>
+          <a:xfrm>
+            <a:off x="4192068" y="1143000"/>
+            <a:ext cx="3908272" cy="1440180"/>
+          </a:xfrm>
+          <a:prstGeom prst="rect">
+            <a:avLst/>
+          </a:prstGeom>
+          <a:noFill/>
+          <a:ln w="22225">
+            <a:prstDash val="sysDot"/>
+          </a:ln>
+        </p:spPr>
+        <p:style>
+          <a:lnRef idx="2">
+            <a:schemeClr val="accent1">
+              <a:shade val="15000"/>
+            </a:schemeClr>
+          </a:lnRef>
+          <a:fillRef idx="1">
+            <a:schemeClr val="accent1"/>
+          </a:fillRef>
+          <a:effectRef idx="0">
+            <a:schemeClr val="accent1"/>
+          </a:effectRef>
+          <a:fontRef idx="minor">
+            <a:schemeClr val="lt1"/>
+          </a:fontRef>
+        </p:style>
+        <p:txBody>
+          <a:bodyPr rtlCol="0" anchor="ctr"/>
+          <a:lstStyle/>
+          <a:p>
+            <a:pPr algn="ctr"/>
+            <a:endParaRPr lang="en-US"/>
+          </a:p>
+        </p:txBody>
+      </p:sp>
+      <p:sp>
+        <p:nvSpPr>
+          <p:cNvPr id="214" name="Rectangle 213">
+            <a:extLst>
+              <a:ext uri="{FF2B5EF4-FFF2-40B4-BE49-F238E27FC236}">
+                <a16:creationId xmlns:a16="http://schemas.microsoft.com/office/drawing/2014/main" id="{CE6DBF56-5140-9F5B-46D8-2F43D9579966}"/>
+              </a:ext>
+            </a:extLst>
+          </p:cNvPr>
+          <p:cNvSpPr/>
+          <p:nvPr/>
+        </p:nvSpPr>
+        <p:spPr>
+          <a:xfrm>
+            <a:off x="8256418" y="1137741"/>
+            <a:ext cx="3908272" cy="1440180"/>
+          </a:xfrm>
+          <a:prstGeom prst="rect">
+            <a:avLst/>
+          </a:prstGeom>
+          <a:noFill/>
+          <a:ln w="22225">
+            <a:prstDash val="sysDot"/>
+          </a:ln>
+        </p:spPr>
+        <p:style>
+          <a:lnRef idx="2">
+            <a:schemeClr val="accent1">
+              <a:shade val="15000"/>
+            </a:schemeClr>
+          </a:lnRef>
+          <a:fillRef idx="1">
+            <a:schemeClr val="accent1"/>
+          </a:fillRef>
+          <a:effectRef idx="0">
+            <a:schemeClr val="accent1"/>
+          </a:effectRef>
+          <a:fontRef idx="minor">
+            <a:schemeClr val="lt1"/>
+          </a:fontRef>
+        </p:style>
+        <p:txBody>
+          <a:bodyPr rtlCol="0" anchor="ctr"/>
+          <a:lstStyle/>
+          <a:p>
+            <a:pPr algn="ctr"/>
+            <a:endParaRPr lang="en-US"/>
+          </a:p>
+        </p:txBody>
+      </p:sp>
+      <p:sp>
+        <p:nvSpPr>
+          <p:cNvPr id="215" name="ZoneTexte 102">
+            <a:extLst>
+              <a:ext uri="{FF2B5EF4-FFF2-40B4-BE49-F238E27FC236}">
+                <a16:creationId xmlns:a16="http://schemas.microsoft.com/office/drawing/2014/main" id="{8F2CAF1F-5029-A871-4A32-EF05D0F9F2C9}"/>
+              </a:ext>
+            </a:extLst>
+          </p:cNvPr>
+          <p:cNvSpPr txBox="1"/>
+          <p:nvPr/>
+        </p:nvSpPr>
+        <p:spPr>
+          <a:xfrm>
+            <a:off x="1575717" y="692798"/>
+            <a:ext cx="1049124" cy="307777"/>
+          </a:xfrm>
+          <a:prstGeom prst="rect">
+            <a:avLst/>
+          </a:prstGeom>
+          <a:solidFill>
+            <a:schemeClr val="bg1">
+              <a:lumMod val="85000"/>
+            </a:schemeClr>
+          </a:solidFill>
+        </p:spPr>
+        <p:txBody>
+          <a:bodyPr wrap="square" rtlCol="0">
+            <a:spAutoFit/>
+          </a:bodyPr>
+          <a:lstStyle/>
+          <a:p>
+            <a:r>
+              <a:rPr lang="fr-FR" sz="1400" b="1" kern="100" dirty="0">
+                <a:effectLst/>
+                <a:latin typeface="Calibri" panose="020F0502020204030204" pitchFamily="34" charset="0"/>
+                <a:ea typeface="Calibri" panose="020F0502020204030204" pitchFamily="34" charset="0"/>
+                <a:cs typeface="Times New Roman" panose="02020603050405020304" pitchFamily="18" charset="0"/>
+              </a:rPr>
+              <a:t>COLONY A</a:t>
+            </a:r>
+          </a:p>
+        </p:txBody>
+      </p:sp>
+      <p:sp>
+        <p:nvSpPr>
+          <p:cNvPr id="216" name="ZoneTexte 102">
+            <a:extLst>
+              <a:ext uri="{FF2B5EF4-FFF2-40B4-BE49-F238E27FC236}">
+                <a16:creationId xmlns:a16="http://schemas.microsoft.com/office/drawing/2014/main" id="{7F08EFE6-9FAA-C095-9954-A6724364451C}"/>
+              </a:ext>
+            </a:extLst>
+          </p:cNvPr>
+          <p:cNvSpPr txBox="1"/>
+          <p:nvPr/>
+        </p:nvSpPr>
+        <p:spPr>
+          <a:xfrm>
+            <a:off x="9696137" y="735692"/>
+            <a:ext cx="1049124" cy="307777"/>
+          </a:xfrm>
+          <a:prstGeom prst="rect">
+            <a:avLst/>
+          </a:prstGeom>
+          <a:solidFill>
+            <a:schemeClr val="bg1">
+              <a:lumMod val="85000"/>
+            </a:schemeClr>
+          </a:solidFill>
+        </p:spPr>
+        <p:txBody>
+          <a:bodyPr wrap="square" rtlCol="0">
+            <a:spAutoFit/>
+          </a:bodyPr>
+          <a:lstStyle/>
+          <a:p>
+            <a:r>
+              <a:rPr lang="fr-FR" sz="1400" b="1" kern="100" dirty="0">
+                <a:effectLst/>
+                <a:latin typeface="Calibri" panose="020F0502020204030204" pitchFamily="34" charset="0"/>
+                <a:ea typeface="Calibri" panose="020F0502020204030204" pitchFamily="34" charset="0"/>
+                <a:cs typeface="Times New Roman" panose="02020603050405020304" pitchFamily="18" charset="0"/>
+              </a:rPr>
+              <a:t>COLONY C</a:t>
+            </a:r>
+          </a:p>
+        </p:txBody>
+      </p:sp>
+      <p:sp>
+        <p:nvSpPr>
+          <p:cNvPr id="217" name="ZoneTexte 102">
+            <a:extLst>
+              <a:ext uri="{FF2B5EF4-FFF2-40B4-BE49-F238E27FC236}">
+                <a16:creationId xmlns:a16="http://schemas.microsoft.com/office/drawing/2014/main" id="{E857E072-2993-41F3-AE17-2226BE4CDC65}"/>
+              </a:ext>
+            </a:extLst>
+          </p:cNvPr>
+          <p:cNvSpPr txBox="1"/>
+          <p:nvPr/>
+        </p:nvSpPr>
+        <p:spPr>
+          <a:xfrm>
+            <a:off x="5621642" y="654603"/>
+            <a:ext cx="1049124" cy="307777"/>
+          </a:xfrm>
+          <a:prstGeom prst="rect">
+            <a:avLst/>
+          </a:prstGeom>
+          <a:solidFill>
+            <a:schemeClr val="bg1">
+              <a:lumMod val="85000"/>
+            </a:schemeClr>
+          </a:solidFill>
+        </p:spPr>
+        <p:txBody>
+          <a:bodyPr wrap="square" rtlCol="0">
+            <a:spAutoFit/>
+          </a:bodyPr>
+          <a:lstStyle/>
+          <a:p>
+            <a:r>
+              <a:rPr lang="fr-FR" sz="1400" b="1" kern="100" dirty="0">
+                <a:effectLst/>
+                <a:latin typeface="Calibri" panose="020F0502020204030204" pitchFamily="34" charset="0"/>
+                <a:ea typeface="Calibri" panose="020F0502020204030204" pitchFamily="34" charset="0"/>
+                <a:cs typeface="Times New Roman" panose="02020603050405020304" pitchFamily="18" charset="0"/>
+              </a:rPr>
+              <a:t>COLONY B</a:t>
+            </a:r>
+          </a:p>
+        </p:txBody>
+      </p:sp>
+    </p:spTree>
+    <p:extLst>
+      <p:ext uri="{BB962C8B-B14F-4D97-AF65-F5344CB8AC3E}">
+        <p14:creationId xmlns:p14="http://schemas.microsoft.com/office/powerpoint/2010/main" val="1247669779"/>
       </p:ext>
     </p:extLst>
   </p:cSld>
